--- a/Session 4/Softdev Session 4 2016.pptx
+++ b/Session 4/Softdev Session 4 2016.pptx
@@ -31,16 +31,17 @@
     <p:sldId id="336" r:id="rId25"/>
     <p:sldId id="339" r:id="rId26"/>
     <p:sldId id="340" r:id="rId27"/>
-    <p:sldId id="310" r:id="rId28"/>
-    <p:sldId id="342" r:id="rId29"/>
-    <p:sldId id="343" r:id="rId30"/>
-    <p:sldId id="345" r:id="rId31"/>
-    <p:sldId id="344" r:id="rId32"/>
-    <p:sldId id="346" r:id="rId33"/>
-    <p:sldId id="347" r:id="rId34"/>
-    <p:sldId id="348" r:id="rId35"/>
-    <p:sldId id="307" r:id="rId36"/>
-    <p:sldId id="285" r:id="rId37"/>
+    <p:sldId id="349" r:id="rId28"/>
+    <p:sldId id="310" r:id="rId29"/>
+    <p:sldId id="342" r:id="rId30"/>
+    <p:sldId id="343" r:id="rId31"/>
+    <p:sldId id="345" r:id="rId32"/>
+    <p:sldId id="344" r:id="rId33"/>
+    <p:sldId id="346" r:id="rId34"/>
+    <p:sldId id="347" r:id="rId35"/>
+    <p:sldId id="348" r:id="rId36"/>
+    <p:sldId id="307" r:id="rId37"/>
+    <p:sldId id="285" r:id="rId38"/>
   </p:sldIdLst>
   <p:sldSz cx="12192000" cy="6858000"/>
   <p:notesSz cx="6858000" cy="9144000"/>
@@ -8666,8 +8667,21 @@
             </a:pPr>
             <a:r>
               <a:rPr lang="en-ZA" dirty="0" smtClean="0"/>
-              <a:t>A class which only has one instance </a:t>
-            </a:r>
+              <a:t>A </a:t>
+            </a:r>
+            <a:r>
+              <a:rPr lang="en-ZA" dirty="0" smtClean="0"/>
+              <a:t>object which </a:t>
+            </a:r>
+            <a:r>
+              <a:rPr lang="en-ZA" dirty="0" smtClean="0"/>
+              <a:t>only has one instance </a:t>
+            </a:r>
+            <a:r>
+              <a:rPr lang="en-ZA" dirty="0" smtClean="0"/>
+              <a:t>declared</a:t>
+            </a:r>
+            <a:endParaRPr lang="en-ZA" dirty="0" smtClean="0"/>
           </a:p>
           <a:p>
             <a:pPr>
@@ -8694,10 +8708,7 @@
               <a:buFont typeface="Arial" panose="020B0604020202020204" pitchFamily="34" charset="0"/>
               <a:buChar char="•"/>
             </a:pPr>
-            <a:r>
-              <a:rPr lang="en-ZA" dirty="0" smtClean="0"/>
-              <a:t>Static classes</a:t>
-            </a:r>
+            <a:endParaRPr lang="en-ZA" dirty="0" smtClean="0"/>
           </a:p>
           <a:p>
             <a:pPr>
@@ -8818,7 +8829,11 @@
             </a:pPr>
             <a:r>
               <a:rPr lang="en-ZA" dirty="0" smtClean="0"/>
-              <a:t>Used often</a:t>
+              <a:t>Used </a:t>
+            </a:r>
+            <a:r>
+              <a:rPr lang="en-ZA" dirty="0" smtClean="0"/>
+              <a:t>often</a:t>
             </a:r>
           </a:p>
           <a:p>
@@ -8828,7 +8843,7 @@
             </a:pPr>
             <a:r>
               <a:rPr lang="en-ZA" dirty="0" smtClean="0"/>
-              <a:t>Defines an interface for creating generic objects</a:t>
+              <a:t>Creational pattern</a:t>
             </a:r>
           </a:p>
           <a:p>
@@ -8836,10 +8851,7 @@
               <a:buFont typeface="Arial" panose="020B0604020202020204" pitchFamily="34" charset="0"/>
               <a:buChar char="•"/>
             </a:pPr>
-            <a:r>
-              <a:rPr lang="en-ZA" dirty="0" smtClean="0"/>
-              <a:t>Lets subclasses decide which class to instantiate</a:t>
-            </a:r>
+            <a:endParaRPr lang="en-ZA" dirty="0" smtClean="0"/>
           </a:p>
           <a:p>
             <a:pPr>
@@ -8848,7 +8860,7 @@
             </a:pPr>
             <a:r>
               <a:rPr lang="en-ZA" dirty="0" smtClean="0"/>
-              <a:t>The factory is an intermediary method that allows an object to be instantiated with different classes from the same entry point.</a:t>
+              <a:t>Defines an interface for creating generic objects</a:t>
             </a:r>
           </a:p>
           <a:p>
@@ -8857,10 +8869,25 @@
               <a:buChar char="•"/>
             </a:pPr>
             <a:r>
-              <a:rPr lang="en-ZA" dirty="0" err="1" smtClean="0"/>
-              <a:t>Exmaple</a:t>
-            </a:r>
-            <a:endParaRPr lang="en-ZA" dirty="0" smtClean="0"/>
+              <a:rPr lang="en-ZA" dirty="0" smtClean="0"/>
+              <a:t>Lets </a:t>
+            </a:r>
+            <a:r>
+              <a:rPr lang="en-ZA" dirty="0" smtClean="0"/>
+              <a:t>sub-objects </a:t>
+            </a:r>
+            <a:r>
+              <a:rPr lang="en-ZA" dirty="0" smtClean="0"/>
+              <a:t>decide which </a:t>
+            </a:r>
+            <a:r>
+              <a:rPr lang="en-ZA" dirty="0" smtClean="0"/>
+              <a:t>object to </a:t>
+            </a:r>
+            <a:r>
+              <a:rPr lang="en-ZA" dirty="0" smtClean="0"/>
+              <a:t>instantiate</a:t>
+            </a:r>
           </a:p>
           <a:p>
             <a:pPr>
@@ -8868,16 +8895,53 @@
               <a:buChar char="•"/>
             </a:pPr>
             <a:r>
-              <a:rPr lang="en-ZA" dirty="0">
-                <a:hlinkClick r:id="rId2"/>
-              </a:rPr>
-              <a:t>http://</a:t>
-            </a:r>
-            <a:r>
-              <a:rPr lang="en-ZA" dirty="0" smtClean="0">
-                <a:hlinkClick r:id="rId2"/>
-              </a:rPr>
-              <a:t>www.dofactory.com/net/factory-method-design-pattern</a:t>
+              <a:rPr lang="en-ZA" dirty="0" smtClean="0"/>
+              <a:t>The factory is an intermediary </a:t>
+            </a:r>
+            <a:r>
+              <a:rPr lang="en-ZA" dirty="0" smtClean="0"/>
+              <a:t>that </a:t>
+            </a:r>
+            <a:r>
+              <a:rPr lang="en-ZA" dirty="0" smtClean="0"/>
+              <a:t>allows an object </a:t>
+            </a:r>
+            <a:r>
+              <a:rPr lang="en-ZA" dirty="0" smtClean="0"/>
+              <a:t>instance to </a:t>
+            </a:r>
+            <a:r>
+              <a:rPr lang="en-ZA" dirty="0" smtClean="0"/>
+              <a:t>be instantiated with different </a:t>
+            </a:r>
+            <a:r>
+              <a:rPr lang="en-ZA" dirty="0" smtClean="0"/>
+              <a:t>objects from </a:t>
+            </a:r>
+            <a:r>
+              <a:rPr lang="en-ZA" dirty="0" smtClean="0"/>
+              <a:t>the same entry point.</a:t>
+            </a:r>
+          </a:p>
+          <a:p>
+            <a:pPr>
+              <a:buFont typeface="Arial" panose="020B0604020202020204" pitchFamily="34" charset="0"/>
+              <a:buChar char="•"/>
+            </a:pPr>
+            <a:r>
+              <a:rPr lang="en-ZA" dirty="0" smtClean="0"/>
+              <a:t>Example</a:t>
+            </a:r>
+            <a:endParaRPr lang="en-ZA" dirty="0" smtClean="0"/>
+          </a:p>
+          <a:p>
+            <a:pPr lvl="1">
+              <a:buFont typeface="Arial" panose="020B0604020202020204" pitchFamily="34" charset="0"/>
+              <a:buChar char="•"/>
+            </a:pPr>
+            <a:r>
+              <a:rPr lang="en-ZA" dirty="0" smtClean="0"/>
+              <a:t>See pattern book</a:t>
             </a:r>
             <a:endParaRPr lang="en-ZA" dirty="0" smtClean="0"/>
           </a:p>
@@ -8911,6 +8975,93 @@
 </file>
 
 <file path=ppt/slides/slide27.xml><?xml version="1.0" encoding="utf-8"?>
+<p:sld xmlns:a="http://schemas.openxmlformats.org/drawingml/2006/main" xmlns:r="http://schemas.openxmlformats.org/officeDocument/2006/relationships" xmlns:p="http://schemas.openxmlformats.org/presentationml/2006/main">
+  <p:cSld>
+    <p:spTree>
+      <p:nvGrpSpPr>
+        <p:cNvPr id="1" name=""/>
+        <p:cNvGrpSpPr/>
+        <p:nvPr/>
+      </p:nvGrpSpPr>
+      <p:grpSpPr>
+        <a:xfrm>
+          <a:off x="0" y="0"/>
+          <a:ext cx="0" cy="0"/>
+          <a:chOff x="0" y="0"/>
+          <a:chExt cx="0" cy="0"/>
+        </a:xfrm>
+      </p:grpSpPr>
+      <p:sp>
+        <p:nvSpPr>
+          <p:cNvPr id="2" name="Title 1"/>
+          <p:cNvSpPr>
+            <a:spLocks noGrp="1"/>
+          </p:cNvSpPr>
+          <p:nvPr>
+            <p:ph type="title"/>
+          </p:nvPr>
+        </p:nvSpPr>
+        <p:spPr/>
+        <p:txBody>
+          <a:bodyPr/>
+          <a:lstStyle/>
+          <a:p>
+            <a:r>
+              <a:rPr lang="en-ZA" dirty="0" smtClean="0"/>
+              <a:t>Read the book</a:t>
+            </a:r>
+            <a:endParaRPr lang="en-ZA" dirty="0"/>
+          </a:p>
+        </p:txBody>
+      </p:sp>
+      <p:sp>
+        <p:nvSpPr>
+          <p:cNvPr id="3" name="Content Placeholder 2"/>
+          <p:cNvSpPr>
+            <a:spLocks noGrp="1"/>
+          </p:cNvSpPr>
+          <p:nvPr>
+            <p:ph idx="1"/>
+          </p:nvPr>
+        </p:nvSpPr>
+        <p:spPr/>
+        <p:txBody>
+          <a:bodyPr/>
+          <a:lstStyle/>
+          <a:p>
+            <a:r>
+              <a:rPr lang="en-ZA" dirty="0">
+                <a:hlinkClick r:id="rId2"/>
+              </a:rPr>
+              <a:t>https://</a:t>
+            </a:r>
+            <a:r>
+              <a:rPr lang="en-ZA" dirty="0" smtClean="0">
+                <a:hlinkClick r:id="rId2"/>
+              </a:rPr>
+              <a:t>addyosmani.com/resources/essentialjsdesignpatterns/book/</a:t>
+            </a:r>
+            <a:endParaRPr lang="en-ZA" dirty="0" smtClean="0"/>
+          </a:p>
+          <a:p>
+            <a:endParaRPr lang="en-ZA" dirty="0"/>
+          </a:p>
+        </p:txBody>
+      </p:sp>
+    </p:spTree>
+    <p:extLst>
+      <p:ext uri="{BB962C8B-B14F-4D97-AF65-F5344CB8AC3E}">
+        <p14:creationId xmlns:p14="http://schemas.microsoft.com/office/powerpoint/2010/main" val="3101499796"/>
+      </p:ext>
+    </p:extLst>
+  </p:cSld>
+  <p:clrMapOvr>
+    <a:masterClrMapping/>
+  </p:clrMapOvr>
+</p:sld>
+</file>
+
+<file path=ppt/slides/slide28.xml><?xml version="1.0" encoding="utf-8"?>
 <p:sld xmlns:a="http://schemas.openxmlformats.org/drawingml/2006/main" xmlns:r="http://schemas.openxmlformats.org/officeDocument/2006/relationships" xmlns:p="http://schemas.openxmlformats.org/presentationml/2006/main">
   <p:cSld>
     <p:spTree>
@@ -9919,7 +10070,7 @@
 </p:sld>
 </file>
 
-<file path=ppt/slides/slide28.xml><?xml version="1.0" encoding="utf-8"?>
+<file path=ppt/slides/slide29.xml><?xml version="1.0" encoding="utf-8"?>
 <p:sld xmlns:a="http://schemas.openxmlformats.org/drawingml/2006/main" xmlns:r="http://schemas.openxmlformats.org/officeDocument/2006/relationships" xmlns:p="http://schemas.openxmlformats.org/presentationml/2006/main">
   <p:cSld>
     <p:spTree>
@@ -10040,7 +10191,117 @@
 </p:sld>
 </file>
 
-<file path=ppt/slides/slide29.xml><?xml version="1.0" encoding="utf-8"?>
+<file path=ppt/slides/slide3.xml><?xml version="1.0" encoding="utf-8"?>
+<p:sld xmlns:a="http://schemas.openxmlformats.org/drawingml/2006/main" xmlns:r="http://schemas.openxmlformats.org/officeDocument/2006/relationships" xmlns:p="http://schemas.openxmlformats.org/presentationml/2006/main">
+  <p:cSld>
+    <p:spTree>
+      <p:nvGrpSpPr>
+        <p:cNvPr id="1" name=""/>
+        <p:cNvGrpSpPr/>
+        <p:nvPr/>
+      </p:nvGrpSpPr>
+      <p:grpSpPr>
+        <a:xfrm>
+          <a:off x="0" y="0"/>
+          <a:ext cx="0" cy="0"/>
+          <a:chOff x="0" y="0"/>
+          <a:chExt cx="0" cy="0"/>
+        </a:xfrm>
+      </p:grpSpPr>
+      <p:sp>
+        <p:nvSpPr>
+          <p:cNvPr id="2" name="Title 1"/>
+          <p:cNvSpPr>
+            <a:spLocks noGrp="1"/>
+          </p:cNvSpPr>
+          <p:nvPr>
+            <p:ph type="title"/>
+          </p:nvPr>
+        </p:nvSpPr>
+        <p:spPr/>
+        <p:txBody>
+          <a:bodyPr/>
+          <a:lstStyle/>
+          <a:p>
+            <a:r>
+              <a:rPr lang="en-ZA" dirty="0" smtClean="0"/>
+              <a:t>Code</a:t>
+            </a:r>
+            <a:endParaRPr lang="en-ZA" dirty="0"/>
+          </a:p>
+        </p:txBody>
+      </p:sp>
+      <p:sp>
+        <p:nvSpPr>
+          <p:cNvPr id="3" name="Content Placeholder 2"/>
+          <p:cNvSpPr>
+            <a:spLocks noGrp="1"/>
+          </p:cNvSpPr>
+          <p:nvPr>
+            <p:ph idx="1"/>
+          </p:nvPr>
+        </p:nvSpPr>
+        <p:spPr/>
+        <p:txBody>
+          <a:bodyPr/>
+          <a:lstStyle/>
+          <a:p>
+            <a:pPr>
+              <a:buFont typeface="Arial" panose="020B0604020202020204" pitchFamily="34" charset="0"/>
+              <a:buChar char="•"/>
+            </a:pPr>
+            <a:r>
+              <a:rPr lang="en-ZA" dirty="0" smtClean="0"/>
+              <a:t>Programming in terms of higher level languages represents a human readable way of constructing mathematical algorithms</a:t>
+            </a:r>
+          </a:p>
+          <a:p>
+            <a:pPr>
+              <a:buFont typeface="Arial" panose="020B0604020202020204" pitchFamily="34" charset="0"/>
+              <a:buChar char="•"/>
+            </a:pPr>
+            <a:r>
+              <a:rPr lang="en-ZA" dirty="0" smtClean="0"/>
+              <a:t>Code has mathematical reasoning behind it</a:t>
+            </a:r>
+          </a:p>
+          <a:p>
+            <a:pPr>
+              <a:buFont typeface="Arial" panose="020B0604020202020204" pitchFamily="34" charset="0"/>
+              <a:buChar char="•"/>
+            </a:pPr>
+            <a:r>
+              <a:rPr lang="en-ZA" dirty="0" smtClean="0"/>
+              <a:t>Code which describes the same thing may look very different</a:t>
+            </a:r>
+          </a:p>
+          <a:p>
+            <a:pPr marL="0" indent="0"/>
+            <a:endParaRPr lang="en-ZA" dirty="0"/>
+          </a:p>
+        </p:txBody>
+      </p:sp>
+    </p:spTree>
+    <p:extLst>
+      <p:ext uri="{BB962C8B-B14F-4D97-AF65-F5344CB8AC3E}">
+        <p14:creationId xmlns:p14="http://schemas.microsoft.com/office/powerpoint/2010/main" val="687834312"/>
+      </p:ext>
+    </p:extLst>
+  </p:cSld>
+  <p:clrMapOvr>
+    <a:masterClrMapping/>
+  </p:clrMapOvr>
+  <p:timing>
+    <p:tnLst>
+      <p:par>
+        <p:cTn id="1" dur="indefinite" restart="never" nodeType="tmRoot"/>
+      </p:par>
+    </p:tnLst>
+  </p:timing>
+</p:sld>
+</file>
+
+<file path=ppt/slides/slide30.xml><?xml version="1.0" encoding="utf-8"?>
 <p:sld xmlns:a="http://schemas.openxmlformats.org/drawingml/2006/main" xmlns:r="http://schemas.openxmlformats.org/officeDocument/2006/relationships" xmlns:p="http://schemas.openxmlformats.org/presentationml/2006/main">
   <p:cSld>
     <p:spTree>
@@ -10155,271 +10416,6 @@
 </p:sld>
 </file>
 
-<file path=ppt/slides/slide3.xml><?xml version="1.0" encoding="utf-8"?>
-<p:sld xmlns:a="http://schemas.openxmlformats.org/drawingml/2006/main" xmlns:r="http://schemas.openxmlformats.org/officeDocument/2006/relationships" xmlns:p="http://schemas.openxmlformats.org/presentationml/2006/main">
-  <p:cSld>
-    <p:spTree>
-      <p:nvGrpSpPr>
-        <p:cNvPr id="1" name=""/>
-        <p:cNvGrpSpPr/>
-        <p:nvPr/>
-      </p:nvGrpSpPr>
-      <p:grpSpPr>
-        <a:xfrm>
-          <a:off x="0" y="0"/>
-          <a:ext cx="0" cy="0"/>
-          <a:chOff x="0" y="0"/>
-          <a:chExt cx="0" cy="0"/>
-        </a:xfrm>
-      </p:grpSpPr>
-      <p:sp>
-        <p:nvSpPr>
-          <p:cNvPr id="2" name="Title 1"/>
-          <p:cNvSpPr>
-            <a:spLocks noGrp="1"/>
-          </p:cNvSpPr>
-          <p:nvPr>
-            <p:ph type="title"/>
-          </p:nvPr>
-        </p:nvSpPr>
-        <p:spPr/>
-        <p:txBody>
-          <a:bodyPr/>
-          <a:lstStyle/>
-          <a:p>
-            <a:r>
-              <a:rPr lang="en-ZA" dirty="0" smtClean="0"/>
-              <a:t>Code</a:t>
-            </a:r>
-            <a:endParaRPr lang="en-ZA" dirty="0"/>
-          </a:p>
-        </p:txBody>
-      </p:sp>
-      <p:sp>
-        <p:nvSpPr>
-          <p:cNvPr id="3" name="Content Placeholder 2"/>
-          <p:cNvSpPr>
-            <a:spLocks noGrp="1"/>
-          </p:cNvSpPr>
-          <p:nvPr>
-            <p:ph idx="1"/>
-          </p:nvPr>
-        </p:nvSpPr>
-        <p:spPr/>
-        <p:txBody>
-          <a:bodyPr/>
-          <a:lstStyle/>
-          <a:p>
-            <a:pPr>
-              <a:buFont typeface="Arial" panose="020B0604020202020204" pitchFamily="34" charset="0"/>
-              <a:buChar char="•"/>
-            </a:pPr>
-            <a:r>
-              <a:rPr lang="en-ZA" dirty="0" smtClean="0"/>
-              <a:t>Programming in terms of higher level languages represents a human readable way of constructing mathematical algorithms</a:t>
-            </a:r>
-          </a:p>
-          <a:p>
-            <a:pPr>
-              <a:buFont typeface="Arial" panose="020B0604020202020204" pitchFamily="34" charset="0"/>
-              <a:buChar char="•"/>
-            </a:pPr>
-            <a:r>
-              <a:rPr lang="en-ZA" dirty="0" smtClean="0"/>
-              <a:t>Code has mathematical reasoning behind it</a:t>
-            </a:r>
-          </a:p>
-          <a:p>
-            <a:pPr>
-              <a:buFont typeface="Arial" panose="020B0604020202020204" pitchFamily="34" charset="0"/>
-              <a:buChar char="•"/>
-            </a:pPr>
-            <a:r>
-              <a:rPr lang="en-ZA" dirty="0" smtClean="0"/>
-              <a:t>Code which describes the same thing may look very different</a:t>
-            </a:r>
-          </a:p>
-          <a:p>
-            <a:pPr marL="0" indent="0"/>
-            <a:endParaRPr lang="en-ZA" dirty="0"/>
-          </a:p>
-        </p:txBody>
-      </p:sp>
-    </p:spTree>
-    <p:extLst>
-      <p:ext uri="{BB962C8B-B14F-4D97-AF65-F5344CB8AC3E}">
-        <p14:creationId xmlns:p14="http://schemas.microsoft.com/office/powerpoint/2010/main" val="687834312"/>
-      </p:ext>
-    </p:extLst>
-  </p:cSld>
-  <p:clrMapOvr>
-    <a:masterClrMapping/>
-  </p:clrMapOvr>
-  <p:timing>
-    <p:tnLst>
-      <p:par>
-        <p:cTn id="1" dur="indefinite" restart="never" nodeType="tmRoot"/>
-      </p:par>
-    </p:tnLst>
-  </p:timing>
-</p:sld>
-</file>
-
-<file path=ppt/slides/slide30.xml><?xml version="1.0" encoding="utf-8"?>
-<p:sld xmlns:a="http://schemas.openxmlformats.org/drawingml/2006/main" xmlns:r="http://schemas.openxmlformats.org/officeDocument/2006/relationships" xmlns:p="http://schemas.openxmlformats.org/presentationml/2006/main">
-  <p:cSld>
-    <p:spTree>
-      <p:nvGrpSpPr>
-        <p:cNvPr id="1" name=""/>
-        <p:cNvGrpSpPr/>
-        <p:nvPr/>
-      </p:nvGrpSpPr>
-      <p:grpSpPr>
-        <a:xfrm>
-          <a:off x="0" y="0"/>
-          <a:ext cx="0" cy="0"/>
-          <a:chOff x="0" y="0"/>
-          <a:chExt cx="0" cy="0"/>
-        </a:xfrm>
-      </p:grpSpPr>
-      <p:sp>
-        <p:nvSpPr>
-          <p:cNvPr id="2" name="Title 1"/>
-          <p:cNvSpPr>
-            <a:spLocks noGrp="1"/>
-          </p:cNvSpPr>
-          <p:nvPr>
-            <p:ph type="title"/>
-          </p:nvPr>
-        </p:nvSpPr>
-        <p:spPr/>
-        <p:txBody>
-          <a:bodyPr/>
-          <a:lstStyle/>
-          <a:p>
-            <a:r>
-              <a:rPr lang="en-ZA" dirty="0" err="1" smtClean="0"/>
-              <a:t>Async</a:t>
-            </a:r>
-            <a:r>
-              <a:rPr lang="en-ZA" dirty="0" smtClean="0"/>
-              <a:t> Library</a:t>
-            </a:r>
-            <a:endParaRPr lang="en-ZA" dirty="0"/>
-          </a:p>
-        </p:txBody>
-      </p:sp>
-      <p:sp>
-        <p:nvSpPr>
-          <p:cNvPr id="3" name="Content Placeholder 2"/>
-          <p:cNvSpPr>
-            <a:spLocks noGrp="1"/>
-          </p:cNvSpPr>
-          <p:nvPr>
-            <p:ph idx="1"/>
-          </p:nvPr>
-        </p:nvSpPr>
-        <p:spPr/>
-        <p:txBody>
-          <a:bodyPr>
-            <a:normAutofit lnSpcReduction="10000"/>
-          </a:bodyPr>
-          <a:lstStyle/>
-          <a:p>
-            <a:r>
-              <a:rPr lang="en-ZA" dirty="0">
-                <a:hlinkClick r:id="rId2"/>
-              </a:rPr>
-              <a:t>https://</a:t>
-            </a:r>
-            <a:r>
-              <a:rPr lang="en-ZA" dirty="0" smtClean="0">
-                <a:hlinkClick r:id="rId2"/>
-              </a:rPr>
-              <a:t>www.npmjs.com/package/async</a:t>
-            </a:r>
-            <a:endParaRPr lang="en-ZA" dirty="0" smtClean="0"/>
-          </a:p>
-          <a:p>
-            <a:r>
-              <a:rPr lang="en-ZA" dirty="0">
-                <a:hlinkClick r:id="rId3"/>
-              </a:rPr>
-              <a:t>http://caolan.github.io/async</a:t>
-            </a:r>
-            <a:r>
-              <a:rPr lang="en-ZA" dirty="0" smtClean="0">
-                <a:hlinkClick r:id="rId3"/>
-              </a:rPr>
-              <a:t>/</a:t>
-            </a:r>
-            <a:endParaRPr lang="en-ZA" dirty="0" smtClean="0"/>
-          </a:p>
-          <a:p>
-            <a:endParaRPr lang="en-ZA" dirty="0" smtClean="0"/>
-          </a:p>
-          <a:p>
-            <a:r>
-              <a:rPr lang="en-ZA" dirty="0" smtClean="0"/>
-              <a:t>Works with </a:t>
-            </a:r>
-            <a:r>
-              <a:rPr lang="en-ZA" dirty="0" err="1" smtClean="0"/>
-              <a:t>callbacks</a:t>
-            </a:r>
-            <a:r>
-              <a:rPr lang="en-ZA" dirty="0" smtClean="0"/>
-              <a:t>, but ensures that there is no nesting by using functional style</a:t>
-            </a:r>
-            <a:endParaRPr lang="en-ZA" dirty="0"/>
-          </a:p>
-          <a:p>
-            <a:r>
-              <a:rPr lang="en-ZA" dirty="0" smtClean="0"/>
-              <a:t>Utility module with several functions to deal with asynchronous JavaScript</a:t>
-            </a:r>
-          </a:p>
-          <a:p>
-            <a:r>
-              <a:rPr lang="en-ZA" dirty="0" smtClean="0"/>
-              <a:t>Only looking at </a:t>
-            </a:r>
-            <a:r>
-              <a:rPr lang="en-ZA" dirty="0" err="1" smtClean="0"/>
-              <a:t>async.waterfall</a:t>
-            </a:r>
-            <a:endParaRPr lang="en-ZA" dirty="0" smtClean="0"/>
-          </a:p>
-          <a:p>
-            <a:r>
-              <a:rPr lang="en-ZA" dirty="0" smtClean="0"/>
-              <a:t>Works like a waterfall, waits for one </a:t>
-            </a:r>
-            <a:r>
-              <a:rPr lang="en-ZA" dirty="0" err="1" smtClean="0"/>
-              <a:t>async</a:t>
-            </a:r>
-            <a:r>
-              <a:rPr lang="en-ZA" dirty="0" smtClean="0"/>
-              <a:t> function to get data before taking that data and pushing it into the next function on the list</a:t>
-            </a:r>
-            <a:endParaRPr lang="en-ZA" dirty="0"/>
-          </a:p>
-        </p:txBody>
-      </p:sp>
-    </p:spTree>
-    <p:extLst>
-      <p:ext uri="{BB962C8B-B14F-4D97-AF65-F5344CB8AC3E}">
-        <p14:creationId xmlns:p14="http://schemas.microsoft.com/office/powerpoint/2010/main" val="4028895228"/>
-      </p:ext>
-    </p:extLst>
-  </p:cSld>
-  <p:clrMapOvr>
-    <a:masterClrMapping/>
-  </p:clrMapOvr>
-</p:sld>
-</file>
-
 <file path=ppt/slides/slide31.xml><?xml version="1.0" encoding="utf-8"?>
 <p:sld xmlns:a="http://schemas.openxmlformats.org/drawingml/2006/main" xmlns:r="http://schemas.openxmlformats.org/officeDocument/2006/relationships" xmlns:p="http://schemas.openxmlformats.org/presentationml/2006/main">
   <p:cSld>
@@ -10453,8 +10449,12 @@
           <a:lstStyle/>
           <a:p>
             <a:r>
-              <a:rPr lang="en-ZA" dirty="0" smtClean="0"/>
-              <a:t>Generators</a:t>
+              <a:rPr lang="en-ZA" dirty="0" err="1" smtClean="0"/>
+              <a:t>Async</a:t>
+            </a:r>
+            <a:r>
+              <a:rPr lang="en-ZA" dirty="0" smtClean="0"/>
+              <a:t> Library</a:t>
             </a:r>
             <a:endParaRPr lang="en-ZA" dirty="0"/>
           </a:p>
@@ -10473,77 +10473,87 @@
         <p:spPr/>
         <p:txBody>
           <a:bodyPr>
-            <a:normAutofit fontScale="92500" lnSpcReduction="20000"/>
+            <a:normAutofit lnSpcReduction="10000"/>
           </a:bodyPr>
           <a:lstStyle/>
-          <a:p>
-            <a:r>
-              <a:rPr lang="en-ZA" dirty="0" smtClean="0"/>
-              <a:t>JavaScript ES5, ES6, ES7 are standards which are loosely followed by </a:t>
-            </a:r>
-            <a:r>
-              <a:rPr lang="en-ZA" dirty="0" err="1" smtClean="0"/>
-              <a:t>NodeJS</a:t>
-            </a:r>
-            <a:r>
-              <a:rPr lang="en-ZA" dirty="0" smtClean="0"/>
-              <a:t> and web-browsers.</a:t>
-            </a:r>
-          </a:p>
-          <a:p>
-            <a:r>
-              <a:rPr lang="en-ZA" dirty="0" smtClean="0"/>
-              <a:t>ES6 uses generators, ES7 adds some function directives which aligns with C#.</a:t>
-            </a:r>
-          </a:p>
-          <a:p>
-            <a:r>
-              <a:rPr lang="en-ZA" dirty="0" smtClean="0"/>
-              <a:t>Generators use a control flow library.</a:t>
-            </a:r>
-          </a:p>
-          <a:p>
-            <a:r>
-              <a:rPr lang="en-ZA" dirty="0" smtClean="0"/>
-              <a:t>We will look at co</a:t>
-            </a:r>
-          </a:p>
-          <a:p>
-            <a:pPr lvl="1"/>
-            <a:r>
-              <a:rPr lang="en-ZA" dirty="0"/>
-              <a:t>https://</a:t>
-            </a:r>
-            <a:r>
-              <a:rPr lang="en-ZA" dirty="0" smtClean="0"/>
-              <a:t>www.npmjs.com/package/co</a:t>
-            </a:r>
-          </a:p>
-          <a:p>
-            <a:endParaRPr lang="en-ZA" dirty="0"/>
-          </a:p>
-          <a:p>
-            <a:endParaRPr lang="en-ZA" dirty="0" smtClean="0"/>
-          </a:p>
-          <a:p>
-            <a:endParaRPr lang="en-ZA" dirty="0"/>
-          </a:p>
           <a:p>
             <a:r>
               <a:rPr lang="en-ZA" dirty="0">
                 <a:hlinkClick r:id="rId2"/>
               </a:rPr>
-              <a:t>http://benmccormick.org/2015/09/14/es5-es6-es2016-es-next-whats-going-on-with-javascript-versioning</a:t>
+              <a:t>https://</a:t>
             </a:r>
             <a:r>
               <a:rPr lang="en-ZA" dirty="0" smtClean="0">
                 <a:hlinkClick r:id="rId2"/>
               </a:rPr>
+              <a:t>www.npmjs.com/package/async</a:t>
+            </a:r>
+            <a:endParaRPr lang="en-ZA" dirty="0" smtClean="0"/>
+          </a:p>
+          <a:p>
+            <a:r>
+              <a:rPr lang="en-ZA" dirty="0">
+                <a:hlinkClick r:id="rId3"/>
+              </a:rPr>
+              <a:t>http://caolan.github.io/async</a:t>
+            </a:r>
+            <a:r>
+              <a:rPr lang="en-ZA" dirty="0" smtClean="0">
+                <a:hlinkClick r:id="rId3"/>
+              </a:rPr>
               <a:t>/</a:t>
             </a:r>
             <a:endParaRPr lang="en-ZA" dirty="0" smtClean="0"/>
           </a:p>
           <a:p>
+            <a:endParaRPr lang="en-ZA" dirty="0" smtClean="0"/>
+          </a:p>
+          <a:p>
+            <a:r>
+              <a:rPr lang="en-ZA" dirty="0" smtClean="0"/>
+              <a:t>Works with </a:t>
+            </a:r>
+            <a:r>
+              <a:rPr lang="en-ZA" dirty="0" err="1" smtClean="0"/>
+              <a:t>callbacks</a:t>
+            </a:r>
+            <a:r>
+              <a:rPr lang="en-ZA" dirty="0" smtClean="0"/>
+              <a:t>, but ensures that there is no nesting by using functional style</a:t>
+            </a:r>
+            <a:endParaRPr lang="en-ZA" dirty="0"/>
+          </a:p>
+          <a:p>
+            <a:r>
+              <a:rPr lang="en-ZA" dirty="0" smtClean="0"/>
+              <a:t>Utility module with several functions to deal with asynchronous JavaScript</a:t>
+            </a:r>
+          </a:p>
+          <a:p>
+            <a:r>
+              <a:rPr lang="en-ZA" dirty="0" smtClean="0"/>
+              <a:t>Only looking at </a:t>
+            </a:r>
+            <a:r>
+              <a:rPr lang="en-ZA" dirty="0" err="1" smtClean="0"/>
+              <a:t>async.waterfall</a:t>
+            </a:r>
+            <a:endParaRPr lang="en-ZA" dirty="0" smtClean="0"/>
+          </a:p>
+          <a:p>
+            <a:r>
+              <a:rPr lang="en-ZA" dirty="0" smtClean="0"/>
+              <a:t>Works like a waterfall, waits for one </a:t>
+            </a:r>
+            <a:r>
+              <a:rPr lang="en-ZA" dirty="0" err="1" smtClean="0"/>
+              <a:t>async</a:t>
+            </a:r>
+            <a:r>
+              <a:rPr lang="en-ZA" dirty="0" smtClean="0"/>
+              <a:t> function to get data before taking that data and pushing it into the next function on the list</a:t>
+            </a:r>
             <a:endParaRPr lang="en-ZA" dirty="0"/>
           </a:p>
         </p:txBody>
@@ -10551,7 +10561,7 @@
     </p:spTree>
     <p:extLst>
       <p:ext uri="{BB962C8B-B14F-4D97-AF65-F5344CB8AC3E}">
-        <p14:creationId xmlns:p14="http://schemas.microsoft.com/office/powerpoint/2010/main" val="1684354915"/>
+        <p14:creationId xmlns:p14="http://schemas.microsoft.com/office/powerpoint/2010/main" val="4028895228"/>
       </p:ext>
     </p:extLst>
   </p:cSld>
@@ -10595,7 +10605,7 @@
           <a:p>
             <a:r>
               <a:rPr lang="en-ZA" dirty="0" smtClean="0"/>
-              <a:t>Promises</a:t>
+              <a:t>Generators</a:t>
             </a:r>
             <a:endParaRPr lang="en-ZA" dirty="0"/>
           </a:p>
@@ -10613,19 +10623,78 @@
         </p:nvSpPr>
         <p:spPr/>
         <p:txBody>
-          <a:bodyPr/>
-          <a:lstStyle/>
-          <a:p>
-            <a:r>
-              <a:rPr lang="en-ZA" dirty="0" smtClean="0"/>
-              <a:t>It is a placeholder for an eventual result of an asynchronous operation.</a:t>
-            </a:r>
-          </a:p>
-          <a:p>
-            <a:r>
-              <a:rPr lang="en-ZA" dirty="0" smtClean="0"/>
-              <a:t>i.e. it is a promise of an object</a:t>
-            </a:r>
+          <a:bodyPr>
+            <a:normAutofit fontScale="92500" lnSpcReduction="20000"/>
+          </a:bodyPr>
+          <a:lstStyle/>
+          <a:p>
+            <a:r>
+              <a:rPr lang="en-ZA" dirty="0" smtClean="0"/>
+              <a:t>JavaScript ES5, ES6, ES7 are standards which are loosely followed by </a:t>
+            </a:r>
+            <a:r>
+              <a:rPr lang="en-ZA" dirty="0" err="1" smtClean="0"/>
+              <a:t>NodeJS</a:t>
+            </a:r>
+            <a:r>
+              <a:rPr lang="en-ZA" dirty="0" smtClean="0"/>
+              <a:t> and web-browsers.</a:t>
+            </a:r>
+          </a:p>
+          <a:p>
+            <a:r>
+              <a:rPr lang="en-ZA" dirty="0" smtClean="0"/>
+              <a:t>ES6 uses generators, ES7 adds some function directives which aligns with C#.</a:t>
+            </a:r>
+          </a:p>
+          <a:p>
+            <a:r>
+              <a:rPr lang="en-ZA" dirty="0" smtClean="0"/>
+              <a:t>Generators use a control flow library.</a:t>
+            </a:r>
+          </a:p>
+          <a:p>
+            <a:r>
+              <a:rPr lang="en-ZA" dirty="0" smtClean="0"/>
+              <a:t>We will look at co</a:t>
+            </a:r>
+          </a:p>
+          <a:p>
+            <a:pPr lvl="1"/>
+            <a:r>
+              <a:rPr lang="en-ZA" dirty="0"/>
+              <a:t>https://</a:t>
+            </a:r>
+            <a:r>
+              <a:rPr lang="en-ZA" dirty="0" smtClean="0"/>
+              <a:t>www.npmjs.com/package/co</a:t>
+            </a:r>
+          </a:p>
+          <a:p>
+            <a:endParaRPr lang="en-ZA" dirty="0"/>
+          </a:p>
+          <a:p>
+            <a:endParaRPr lang="en-ZA" dirty="0" smtClean="0"/>
+          </a:p>
+          <a:p>
+            <a:endParaRPr lang="en-ZA" dirty="0"/>
+          </a:p>
+          <a:p>
+            <a:r>
+              <a:rPr lang="en-ZA" dirty="0">
+                <a:hlinkClick r:id="rId2"/>
+              </a:rPr>
+              <a:t>http://benmccormick.org/2015/09/14/es5-es6-es2016-es-next-whats-going-on-with-javascript-versioning</a:t>
+            </a:r>
+            <a:r>
+              <a:rPr lang="en-ZA" dirty="0" smtClean="0">
+                <a:hlinkClick r:id="rId2"/>
+              </a:rPr>
+              <a:t>/</a:t>
+            </a:r>
+            <a:endParaRPr lang="en-ZA" dirty="0" smtClean="0"/>
+          </a:p>
+          <a:p>
             <a:endParaRPr lang="en-ZA" dirty="0"/>
           </a:p>
         </p:txBody>
@@ -10633,7 +10702,7 @@
     </p:spTree>
     <p:extLst>
       <p:ext uri="{BB962C8B-B14F-4D97-AF65-F5344CB8AC3E}">
-        <p14:creationId xmlns:p14="http://schemas.microsoft.com/office/powerpoint/2010/main" val="402493005"/>
+        <p14:creationId xmlns:p14="http://schemas.microsoft.com/office/powerpoint/2010/main" val="1684354915"/>
       </p:ext>
     </p:extLst>
   </p:cSld>
@@ -10677,7 +10746,7 @@
           <a:p>
             <a:r>
               <a:rPr lang="en-ZA" dirty="0" smtClean="0"/>
-              <a:t>Co library</a:t>
+              <a:t>Promises</a:t>
             </a:r>
             <a:endParaRPr lang="en-ZA" dirty="0"/>
           </a:p>
@@ -10697,6 +10766,21 @@
         <p:txBody>
           <a:bodyPr/>
           <a:lstStyle/>
+          <a:p>
+            <a:r>
+              <a:rPr lang="en-ZA" dirty="0" smtClean="0"/>
+              <a:t>It is a placeholder for an eventual result of an asynchronous operation.</a:t>
+            </a:r>
+          </a:p>
+          <a:p>
+            <a:r>
+              <a:rPr lang="en-ZA" dirty="0" smtClean="0"/>
+              <a:t>i.e. it is a promise of an object</a:t>
+            </a:r>
+          </a:p>
+          <a:p>
+            <a:endParaRPr lang="en-ZA" dirty="0"/>
+          </a:p>
           <a:p>
             <a:r>
               <a:rPr lang="en-ZA" dirty="0">
@@ -10708,44 +10792,9 @@
               <a:rPr lang="en-ZA" dirty="0" smtClean="0">
                 <a:hlinkClick r:id="rId2"/>
               </a:rPr>
-              <a:t>www.npmjs.com/package/co</a:t>
+              <a:t>spring.io/understanding/javascript-promises</a:t>
             </a:r>
             <a:endParaRPr lang="en-ZA" dirty="0" smtClean="0"/>
-          </a:p>
-          <a:p>
-            <a:r>
-              <a:rPr lang="en-ZA" dirty="0" smtClean="0"/>
-              <a:t>Two parts</a:t>
-            </a:r>
-          </a:p>
-          <a:p>
-            <a:pPr lvl="1"/>
-            <a:r>
-              <a:rPr lang="en-ZA" dirty="0" smtClean="0"/>
-              <a:t>The </a:t>
-            </a:r>
-            <a:r>
-              <a:rPr lang="en-ZA" dirty="0" err="1" smtClean="0"/>
-              <a:t>async</a:t>
-            </a:r>
-            <a:r>
-              <a:rPr lang="en-ZA" dirty="0" smtClean="0"/>
-              <a:t> function and its promise</a:t>
-            </a:r>
-          </a:p>
-          <a:p>
-            <a:pPr lvl="1"/>
-            <a:r>
-              <a:rPr lang="en-ZA" dirty="0" smtClean="0"/>
-              <a:t>The function call – it is wrapped up with the co library</a:t>
-            </a:r>
-          </a:p>
-          <a:p>
-            <a:pPr lvl="2"/>
-            <a:r>
-              <a:rPr lang="en-ZA" dirty="0" smtClean="0"/>
-              <a:t>Uses the yield keyword (directive)</a:t>
-            </a:r>
           </a:p>
           <a:p>
             <a:endParaRPr lang="en-ZA" dirty="0"/>
@@ -10755,7 +10804,7 @@
     </p:spTree>
     <p:extLst>
       <p:ext uri="{BB962C8B-B14F-4D97-AF65-F5344CB8AC3E}">
-        <p14:creationId xmlns:p14="http://schemas.microsoft.com/office/powerpoint/2010/main" val="1245780868"/>
+        <p14:creationId xmlns:p14="http://schemas.microsoft.com/office/powerpoint/2010/main" val="402493005"/>
       </p:ext>
     </p:extLst>
   </p:cSld>
@@ -10799,7 +10848,7 @@
           <a:p>
             <a:r>
               <a:rPr lang="en-ZA" dirty="0" smtClean="0"/>
-              <a:t>The future</a:t>
+              <a:t>Co library</a:t>
             </a:r>
             <a:endParaRPr lang="en-ZA" dirty="0"/>
           </a:p>
@@ -10819,37 +10868,6 @@
         <p:txBody>
           <a:bodyPr/>
           <a:lstStyle/>
-          <a:p>
-            <a:r>
-              <a:rPr lang="en-ZA" dirty="0" smtClean="0"/>
-              <a:t>ES7</a:t>
-            </a:r>
-          </a:p>
-          <a:p>
-            <a:r>
-              <a:rPr lang="en-ZA" dirty="0" smtClean="0"/>
-              <a:t>Using the directives</a:t>
-            </a:r>
-          </a:p>
-          <a:p>
-            <a:pPr lvl="1"/>
-            <a:r>
-              <a:rPr lang="en-ZA" dirty="0" err="1" smtClean="0"/>
-              <a:t>async</a:t>
-            </a:r>
-            <a:endParaRPr lang="en-ZA" dirty="0" smtClean="0"/>
-          </a:p>
-          <a:p>
-            <a:pPr lvl="1"/>
-            <a:r>
-              <a:rPr lang="en-ZA" dirty="0"/>
-              <a:t>a</a:t>
-            </a:r>
-            <a:r>
-              <a:rPr lang="en-ZA" dirty="0" smtClean="0"/>
-              <a:t>wait</a:t>
-            </a:r>
-          </a:p>
           <a:p>
             <a:r>
               <a:rPr lang="en-ZA" dirty="0">
@@ -10861,15 +10879,46 @@
               <a:rPr lang="en-ZA" dirty="0" smtClean="0">
                 <a:hlinkClick r:id="rId2"/>
               </a:rPr>
-              <a:t>github.com/tc39/ecmascript-asyncawait</a:t>
+              <a:t>www.npmjs.com/package/co</a:t>
             </a:r>
             <a:endParaRPr lang="en-ZA" dirty="0" smtClean="0"/>
           </a:p>
           <a:p>
             <a:r>
               <a:rPr lang="en-ZA" dirty="0" smtClean="0"/>
-              <a:t>Similar to how C# works with asynchronous functions</a:t>
-            </a:r>
+              <a:t>Two parts</a:t>
+            </a:r>
+          </a:p>
+          <a:p>
+            <a:pPr lvl="1"/>
+            <a:r>
+              <a:rPr lang="en-ZA" dirty="0" smtClean="0"/>
+              <a:t>The </a:t>
+            </a:r>
+            <a:r>
+              <a:rPr lang="en-ZA" dirty="0" err="1" smtClean="0"/>
+              <a:t>async</a:t>
+            </a:r>
+            <a:r>
+              <a:rPr lang="en-ZA" dirty="0" smtClean="0"/>
+              <a:t> function and its promise</a:t>
+            </a:r>
+          </a:p>
+          <a:p>
+            <a:pPr lvl="1"/>
+            <a:r>
+              <a:rPr lang="en-ZA" dirty="0" smtClean="0"/>
+              <a:t>The function call – it is wrapped up with the co library</a:t>
+            </a:r>
+          </a:p>
+          <a:p>
+            <a:pPr lvl="2"/>
+            <a:r>
+              <a:rPr lang="en-ZA" dirty="0" smtClean="0"/>
+              <a:t>Uses the yield keyword (directive)</a:t>
+            </a:r>
+          </a:p>
+          <a:p>
             <a:endParaRPr lang="en-ZA" dirty="0"/>
           </a:p>
         </p:txBody>
@@ -10877,7 +10926,7 @@
     </p:spTree>
     <p:extLst>
       <p:ext uri="{BB962C8B-B14F-4D97-AF65-F5344CB8AC3E}">
-        <p14:creationId xmlns:p14="http://schemas.microsoft.com/office/powerpoint/2010/main" val="2235016716"/>
+        <p14:creationId xmlns:p14="http://schemas.microsoft.com/office/powerpoint/2010/main" val="1245780868"/>
       </p:ext>
     </p:extLst>
   </p:cSld>
@@ -10920,6 +10969,156 @@
           <a:lstStyle/>
           <a:p>
             <a:r>
+              <a:rPr lang="en-ZA" dirty="0" smtClean="0"/>
+              <a:t>The future</a:t>
+            </a:r>
+            <a:endParaRPr lang="en-ZA" dirty="0"/>
+          </a:p>
+        </p:txBody>
+      </p:sp>
+      <p:sp>
+        <p:nvSpPr>
+          <p:cNvPr id="3" name="Content Placeholder 2"/>
+          <p:cNvSpPr>
+            <a:spLocks noGrp="1"/>
+          </p:cNvSpPr>
+          <p:nvPr>
+            <p:ph idx="1"/>
+          </p:nvPr>
+        </p:nvSpPr>
+        <p:spPr/>
+        <p:txBody>
+          <a:bodyPr/>
+          <a:lstStyle/>
+          <a:p>
+            <a:r>
+              <a:rPr lang="en-ZA" dirty="0" smtClean="0"/>
+              <a:t>ES7</a:t>
+            </a:r>
+          </a:p>
+          <a:p>
+            <a:r>
+              <a:rPr lang="en-ZA" dirty="0" smtClean="0"/>
+              <a:t>Using the directives</a:t>
+            </a:r>
+          </a:p>
+          <a:p>
+            <a:pPr lvl="1"/>
+            <a:r>
+              <a:rPr lang="en-ZA" dirty="0" err="1" smtClean="0"/>
+              <a:t>async</a:t>
+            </a:r>
+            <a:endParaRPr lang="en-ZA" dirty="0" smtClean="0"/>
+          </a:p>
+          <a:p>
+            <a:pPr lvl="1"/>
+            <a:r>
+              <a:rPr lang="en-ZA" dirty="0"/>
+              <a:t>a</a:t>
+            </a:r>
+            <a:r>
+              <a:rPr lang="en-ZA" dirty="0" smtClean="0"/>
+              <a:t>wait</a:t>
+            </a:r>
+          </a:p>
+          <a:p>
+            <a:r>
+              <a:rPr lang="en-ZA" dirty="0">
+                <a:hlinkClick r:id="rId2"/>
+              </a:rPr>
+              <a:t>https://</a:t>
+            </a:r>
+            <a:r>
+              <a:rPr lang="en-ZA" dirty="0" smtClean="0">
+                <a:hlinkClick r:id="rId2"/>
+              </a:rPr>
+              <a:t>github.com/tc39/ecmascript-asyncawait</a:t>
+            </a:r>
+            <a:endParaRPr lang="en-ZA" dirty="0" smtClean="0"/>
+          </a:p>
+          <a:p>
+            <a:r>
+              <a:rPr lang="en-ZA" dirty="0" smtClean="0"/>
+              <a:t>Similar to how C# works with asynchronous functions</a:t>
+            </a:r>
+          </a:p>
+          <a:p>
+            <a:endParaRPr lang="en-ZA" dirty="0" smtClean="0"/>
+          </a:p>
+          <a:p>
+            <a:r>
+              <a:rPr lang="en-ZA" dirty="0" smtClean="0"/>
+              <a:t>Detailed Explanation:</a:t>
+            </a:r>
+          </a:p>
+          <a:p>
+            <a:pPr lvl="1"/>
+            <a:r>
+              <a:rPr lang="en-ZA" dirty="0">
+                <a:hlinkClick r:id="rId3"/>
+              </a:rPr>
+              <a:t>http://stackabuse.com/node-js-async-await-in-es7</a:t>
+            </a:r>
+            <a:r>
+              <a:rPr lang="en-ZA" dirty="0" smtClean="0">
+                <a:hlinkClick r:id="rId3"/>
+              </a:rPr>
+              <a:t>/</a:t>
+            </a:r>
+            <a:endParaRPr lang="en-ZA" dirty="0" smtClean="0"/>
+          </a:p>
+          <a:p>
+            <a:pPr lvl="1"/>
+            <a:endParaRPr lang="en-ZA" dirty="0"/>
+          </a:p>
+        </p:txBody>
+      </p:sp>
+    </p:spTree>
+    <p:extLst>
+      <p:ext uri="{BB962C8B-B14F-4D97-AF65-F5344CB8AC3E}">
+        <p14:creationId xmlns:p14="http://schemas.microsoft.com/office/powerpoint/2010/main" val="2235016716"/>
+      </p:ext>
+    </p:extLst>
+  </p:cSld>
+  <p:clrMapOvr>
+    <a:masterClrMapping/>
+  </p:clrMapOvr>
+</p:sld>
+</file>
+
+<file path=ppt/slides/slide36.xml><?xml version="1.0" encoding="utf-8"?>
+<p:sld xmlns:a="http://schemas.openxmlformats.org/drawingml/2006/main" xmlns:r="http://schemas.openxmlformats.org/officeDocument/2006/relationships" xmlns:p="http://schemas.openxmlformats.org/presentationml/2006/main">
+  <p:cSld>
+    <p:spTree>
+      <p:nvGrpSpPr>
+        <p:cNvPr id="1" name=""/>
+        <p:cNvGrpSpPr/>
+        <p:nvPr/>
+      </p:nvGrpSpPr>
+      <p:grpSpPr>
+        <a:xfrm>
+          <a:off x="0" y="0"/>
+          <a:ext cx="0" cy="0"/>
+          <a:chOff x="0" y="0"/>
+          <a:chExt cx="0" cy="0"/>
+        </a:xfrm>
+      </p:grpSpPr>
+      <p:sp>
+        <p:nvSpPr>
+          <p:cNvPr id="2" name="Title 1"/>
+          <p:cNvSpPr>
+            <a:spLocks noGrp="1"/>
+          </p:cNvSpPr>
+          <p:nvPr>
+            <p:ph type="title"/>
+          </p:nvPr>
+        </p:nvSpPr>
+        <p:spPr/>
+        <p:txBody>
+          <a:bodyPr/>
+          <a:lstStyle/>
+          <a:p>
+            <a:r>
               <a:rPr lang="en-US" dirty="0" smtClean="0"/>
               <a:t>The Course Project</a:t>
             </a:r>
@@ -10945,7 +11144,7 @@
         </p:spPr>
         <p:txBody>
           <a:bodyPr>
-            <a:normAutofit/>
+            <a:normAutofit fontScale="92500" lnSpcReduction="10000"/>
           </a:bodyPr>
           <a:lstStyle/>
           <a:p>
@@ -10957,22 +11156,33 @@
           <a:p>
             <a:r>
               <a:rPr lang="en-US" dirty="0" smtClean="0"/>
-              <a:t>This week take the output of what was made last week and store the data in a </a:t>
+              <a:t>This week take </a:t>
+            </a:r>
+            <a:r>
+              <a:rPr lang="en-US" dirty="0" smtClean="0"/>
+              <a:t>last weeks work and implement a simple </a:t>
             </a:r>
             <a:r>
               <a:rPr lang="en-US" dirty="0" err="1" smtClean="0"/>
-              <a:t>mongodb</a:t>
+              <a:t>expressJS</a:t>
             </a:r>
             <a:r>
               <a:rPr lang="en-US" dirty="0" smtClean="0"/>
-              <a:t> database.</a:t>
-            </a:r>
-          </a:p>
-          <a:p>
+              <a:t> application which accepts user input for a folder and then stores the results in a database</a:t>
+            </a:r>
             <a:r>
               <a:rPr lang="en-US" dirty="0" smtClean="0"/>
-              <a:t>The program must then print the files in the database to the console.</a:t>
-            </a:r>
+              <a:t>.</a:t>
+            </a:r>
+          </a:p>
+          <a:p>
+            <a:r>
+              <a:rPr lang="en-US" dirty="0" smtClean="0"/>
+              <a:t>Then if the user clicks on the data page of the website display the information in the database</a:t>
+            </a:r>
+            <a:endParaRPr lang="en-US" dirty="0" smtClean="0"/>
+          </a:p>
+          <a:p>
             <a:endParaRPr lang="en-ZA" dirty="0" smtClean="0"/>
           </a:p>
           <a:p>
@@ -11039,7 +11249,7 @@
 </p:sld>
 </file>
 
-<file path=ppt/slides/slide36.xml><?xml version="1.0" encoding="utf-8"?>
+<file path=ppt/slides/slide37.xml><?xml version="1.0" encoding="utf-8"?>
 <p:sld xmlns:a="http://schemas.openxmlformats.org/drawingml/2006/main" xmlns:r="http://schemas.openxmlformats.org/officeDocument/2006/relationships" xmlns:p="http://schemas.openxmlformats.org/presentationml/2006/main">
   <p:cSld>
     <p:spTree>

--- a/Session 4/Softdev Session 4 2016.pptx
+++ b/Session 4/Softdev Session 4 2016.pptx
@@ -29,19 +29,17 @@
     <p:sldId id="330" r:id="rId23"/>
     <p:sldId id="334" r:id="rId24"/>
     <p:sldId id="336" r:id="rId25"/>
-    <p:sldId id="339" r:id="rId26"/>
-    <p:sldId id="340" r:id="rId27"/>
-    <p:sldId id="349" r:id="rId28"/>
-    <p:sldId id="310" r:id="rId29"/>
-    <p:sldId id="342" r:id="rId30"/>
-    <p:sldId id="343" r:id="rId31"/>
-    <p:sldId id="345" r:id="rId32"/>
-    <p:sldId id="344" r:id="rId33"/>
-    <p:sldId id="346" r:id="rId34"/>
-    <p:sldId id="347" r:id="rId35"/>
-    <p:sldId id="348" r:id="rId36"/>
-    <p:sldId id="307" r:id="rId37"/>
-    <p:sldId id="285" r:id="rId38"/>
+    <p:sldId id="349" r:id="rId26"/>
+    <p:sldId id="310" r:id="rId27"/>
+    <p:sldId id="342" r:id="rId28"/>
+    <p:sldId id="343" r:id="rId29"/>
+    <p:sldId id="345" r:id="rId30"/>
+    <p:sldId id="344" r:id="rId31"/>
+    <p:sldId id="346" r:id="rId32"/>
+    <p:sldId id="347" r:id="rId33"/>
+    <p:sldId id="348" r:id="rId34"/>
+    <p:sldId id="307" r:id="rId35"/>
+    <p:sldId id="285" r:id="rId36"/>
   </p:sldIdLst>
   <p:sldSz cx="12192000" cy="6858000"/>
   <p:notesSz cx="6858000" cy="9144000"/>
@@ -142,7 +140,7 @@
   </p:defaultTextStyle>
   <p:extLst>
     <p:ext uri="{EFAFB233-063F-42B5-8137-9DF3F51BA10A}">
-      <p15:sldGuideLst xmlns:p15="http://schemas.microsoft.com/office/powerpoint/2012/main">
+      <p15:sldGuideLst xmlns:p15="http://schemas.microsoft.com/office/powerpoint/2012/main" xmlns="">
         <p15:guide id="1" orient="horz" pos="2160">
           <p15:clr>
             <a:srgbClr val="A4A3A4"/>
@@ -345,7 +343,7 @@
           <a:p>
             <a:fld id="{FBDF5932-50BA-4683-BD71-901965AADFF2}" type="datetimeFigureOut">
               <a:rPr lang="en-ZA" smtClean="0"/>
-              <a:t>2016/12/12</a:t>
+              <a:t>2016-12-13</a:t>
             </a:fld>
             <a:endParaRPr lang="en-ZA"/>
           </a:p>
@@ -620,7 +618,7 @@
           <a:p>
             <a:fld id="{FBDF5932-50BA-4683-BD71-901965AADFF2}" type="datetimeFigureOut">
               <a:rPr lang="en-ZA" smtClean="0"/>
-              <a:t>2016/12/12</a:t>
+              <a:t>2016-12-13</a:t>
             </a:fld>
             <a:endParaRPr lang="en-ZA"/>
           </a:p>
@@ -814,7 +812,7 @@
           <a:p>
             <a:fld id="{FBDF5932-50BA-4683-BD71-901965AADFF2}" type="datetimeFigureOut">
               <a:rPr lang="en-ZA" smtClean="0"/>
-              <a:t>2016/12/12</a:t>
+              <a:t>2016-12-13</a:t>
             </a:fld>
             <a:endParaRPr lang="en-ZA"/>
           </a:p>
@@ -1085,7 +1083,7 @@
           <a:p>
             <a:fld id="{FBDF5932-50BA-4683-BD71-901965AADFF2}" type="datetimeFigureOut">
               <a:rPr lang="en-ZA" smtClean="0"/>
-              <a:t>2016/12/12</a:t>
+              <a:t>2016-12-13</a:t>
             </a:fld>
             <a:endParaRPr lang="en-ZA"/>
           </a:p>
@@ -1412,7 +1410,7 @@
           <a:p>
             <a:fld id="{FBDF5932-50BA-4683-BD71-901965AADFF2}" type="datetimeFigureOut">
               <a:rPr lang="en-ZA" smtClean="0"/>
-              <a:t>2016/12/12</a:t>
+              <a:t>2016-12-13</a:t>
             </a:fld>
             <a:endParaRPr lang="en-ZA"/>
           </a:p>
@@ -2031,7 +2029,7 @@
           <a:p>
             <a:fld id="{FBDF5932-50BA-4683-BD71-901965AADFF2}" type="datetimeFigureOut">
               <a:rPr lang="en-ZA" smtClean="0"/>
-              <a:t>2016/12/12</a:t>
+              <a:t>2016-12-13</a:t>
             </a:fld>
             <a:endParaRPr lang="en-ZA"/>
           </a:p>
@@ -2878,7 +2876,7 @@
           <a:p>
             <a:fld id="{FBDF5932-50BA-4683-BD71-901965AADFF2}" type="datetimeFigureOut">
               <a:rPr lang="en-ZA" smtClean="0"/>
-              <a:t>2016/12/12</a:t>
+              <a:t>2016-12-13</a:t>
             </a:fld>
             <a:endParaRPr lang="en-ZA"/>
           </a:p>
@@ -3048,7 +3046,7 @@
           <a:p>
             <a:fld id="{FBDF5932-50BA-4683-BD71-901965AADFF2}" type="datetimeFigureOut">
               <a:rPr lang="en-ZA" smtClean="0"/>
-              <a:t>2016/12/12</a:t>
+              <a:t>2016-12-13</a:t>
             </a:fld>
             <a:endParaRPr lang="en-ZA"/>
           </a:p>
@@ -3228,7 +3226,7 @@
           <a:p>
             <a:fld id="{FBDF5932-50BA-4683-BD71-901965AADFF2}" type="datetimeFigureOut">
               <a:rPr lang="en-ZA" smtClean="0"/>
-              <a:t>2016/12/12</a:t>
+              <a:t>2016-12-13</a:t>
             </a:fld>
             <a:endParaRPr lang="en-ZA"/>
           </a:p>
@@ -3398,7 +3396,7 @@
           <a:p>
             <a:fld id="{FBDF5932-50BA-4683-BD71-901965AADFF2}" type="datetimeFigureOut">
               <a:rPr lang="en-ZA" smtClean="0"/>
-              <a:t>2016/12/12</a:t>
+              <a:t>2016-12-13</a:t>
             </a:fld>
             <a:endParaRPr lang="en-ZA"/>
           </a:p>
@@ -3645,7 +3643,7 @@
           <a:p>
             <a:fld id="{FBDF5932-50BA-4683-BD71-901965AADFF2}" type="datetimeFigureOut">
               <a:rPr lang="en-ZA" smtClean="0"/>
-              <a:t>2016/12/12</a:t>
+              <a:t>2016-12-13</a:t>
             </a:fld>
             <a:endParaRPr lang="en-ZA"/>
           </a:p>
@@ -3937,7 +3935,7 @@
           <a:p>
             <a:fld id="{FBDF5932-50BA-4683-BD71-901965AADFF2}" type="datetimeFigureOut">
               <a:rPr lang="en-ZA" smtClean="0"/>
-              <a:t>2016/12/12</a:t>
+              <a:t>2016-12-13</a:t>
             </a:fld>
             <a:endParaRPr lang="en-ZA"/>
           </a:p>
@@ -4381,7 +4379,7 @@
           <a:p>
             <a:fld id="{FBDF5932-50BA-4683-BD71-901965AADFF2}" type="datetimeFigureOut">
               <a:rPr lang="en-ZA" smtClean="0"/>
-              <a:t>2016/12/12</a:t>
+              <a:t>2016-12-13</a:t>
             </a:fld>
             <a:endParaRPr lang="en-ZA"/>
           </a:p>
@@ -4499,7 +4497,7 @@
           <a:p>
             <a:fld id="{FBDF5932-50BA-4683-BD71-901965AADFF2}" type="datetimeFigureOut">
               <a:rPr lang="en-ZA" smtClean="0"/>
-              <a:t>2016/12/12</a:t>
+              <a:t>2016-12-13</a:t>
             </a:fld>
             <a:endParaRPr lang="en-ZA"/>
           </a:p>
@@ -4594,7 +4592,7 @@
           <a:p>
             <a:fld id="{FBDF5932-50BA-4683-BD71-901965AADFF2}" type="datetimeFigureOut">
               <a:rPr lang="en-ZA" smtClean="0"/>
-              <a:t>2016/12/12</a:t>
+              <a:t>2016-12-13</a:t>
             </a:fld>
             <a:endParaRPr lang="en-ZA"/>
           </a:p>
@@ -4873,7 +4871,7 @@
           <a:p>
             <a:fld id="{FBDF5932-50BA-4683-BD71-901965AADFF2}" type="datetimeFigureOut">
               <a:rPr lang="en-ZA" smtClean="0"/>
-              <a:t>2016/12/12</a:t>
+              <a:t>2016-12-13</a:t>
             </a:fld>
             <a:endParaRPr lang="en-ZA"/>
           </a:p>
@@ -5148,7 +5146,7 @@
           <a:p>
             <a:fld id="{FBDF5932-50BA-4683-BD71-901965AADFF2}" type="datetimeFigureOut">
               <a:rPr lang="en-ZA" smtClean="0"/>
-              <a:t>2016/12/12</a:t>
+              <a:t>2016-12-13</a:t>
             </a:fld>
             <a:endParaRPr lang="en-ZA"/>
           </a:p>
@@ -5571,7 +5569,7 @@
           <a:p>
             <a:fld id="{FBDF5932-50BA-4683-BD71-901965AADFF2}" type="datetimeFigureOut">
               <a:rPr lang="en-ZA" smtClean="0"/>
-              <a:t>2016/12/12</a:t>
+              <a:t>2016-12-13</a:t>
             </a:fld>
             <a:endParaRPr lang="en-ZA"/>
           </a:p>
@@ -6116,7 +6114,15 @@
           <a:p>
             <a:r>
               <a:rPr lang="en-ZA" dirty="0" smtClean="0"/>
-              <a:t>Wits Software Development  2016</a:t>
+              <a:t>Wits Software Development </a:t>
+            </a:r>
+            <a:r>
+              <a:rPr lang="en-ZA" dirty="0" smtClean="0"/>
+              <a:t>2016</a:t>
+            </a:r>
+            <a:r>
+              <a:rPr lang="en-ZA" dirty="0" smtClean="0"/>
+              <a:t/>
             </a:r>
             <a:br>
               <a:rPr lang="en-ZA" dirty="0" smtClean="0"/>
@@ -8182,8 +8188,12 @@
           <a:lstStyle/>
           <a:p>
             <a:r>
-              <a:rPr lang="en-ZA" dirty="0" smtClean="0"/>
-              <a:t>data</a:t>
+              <a:rPr lang="en-ZA" dirty="0"/>
+              <a:t>D</a:t>
+            </a:r>
+            <a:r>
+              <a:rPr lang="en-ZA" dirty="0" smtClean="0"/>
+              <a:t>ata</a:t>
             </a:r>
             <a:endParaRPr lang="en-ZA" dirty="0"/>
           </a:p>
@@ -8368,61 +8378,13 @@
             </a:pPr>
             <a:r>
               <a:rPr lang="en-ZA" dirty="0" smtClean="0"/>
-              <a:t>The type of those variables is determined from what values are sent into the variable</a:t>
-            </a:r>
-          </a:p>
-          <a:p>
-            <a:pPr>
-              <a:buFont typeface="Arial" panose="020B0604020202020204" pitchFamily="34" charset="0"/>
-              <a:buChar char="•"/>
-            </a:pPr>
-            <a:r>
-              <a:rPr lang="en-ZA" dirty="0" smtClean="0"/>
-              <a:t>Lots of restrictions</a:t>
-            </a:r>
-          </a:p>
-          <a:p>
-            <a:pPr>
-              <a:buFont typeface="Arial" panose="020B0604020202020204" pitchFamily="34" charset="0"/>
-              <a:buChar char="•"/>
-            </a:pPr>
-            <a:r>
-              <a:rPr lang="en-ZA" dirty="0" smtClean="0"/>
-              <a:t>Some don’t recommend it</a:t>
-            </a:r>
-          </a:p>
-          <a:p>
-            <a:pPr>
-              <a:buFont typeface="Arial" panose="020B0604020202020204" pitchFamily="34" charset="0"/>
-              <a:buChar char="•"/>
-            </a:pPr>
-            <a:r>
-              <a:rPr lang="en-ZA" dirty="0">
-                <a:hlinkClick r:id="rId2"/>
-              </a:rPr>
-              <a:t>https://</a:t>
-            </a:r>
-            <a:r>
-              <a:rPr lang="en-ZA" dirty="0" smtClean="0">
-                <a:hlinkClick r:id="rId2"/>
-              </a:rPr>
-              <a:t>msdn.microsoft.com/en-us/library/bb384061.aspx</a:t>
-            </a:r>
-            <a:r>
-              <a:rPr lang="en-ZA" dirty="0" smtClean="0"/>
-              <a:t> </a:t>
-            </a:r>
-          </a:p>
-          <a:p>
-            <a:pPr>
-              <a:buFont typeface="Arial" panose="020B0604020202020204" pitchFamily="34" charset="0"/>
-              <a:buChar char="•"/>
-            </a:pPr>
-            <a:r>
-              <a:rPr lang="en-ZA" dirty="0" smtClean="0"/>
-              <a:t>See example</a:t>
-            </a:r>
-            <a:endParaRPr lang="en-ZA" dirty="0"/>
+              <a:t>The type of those variables is determined from what values are sent into the </a:t>
+            </a:r>
+            <a:r>
+              <a:rPr lang="en-ZA" dirty="0" smtClean="0"/>
+              <a:t>variable</a:t>
+            </a:r>
+            <a:endParaRPr lang="en-ZA" dirty="0" smtClean="0"/>
           </a:p>
         </p:txBody>
       </p:sp>
@@ -8640,7 +8602,7 @@
           <a:p>
             <a:r>
               <a:rPr lang="en-ZA" dirty="0" smtClean="0"/>
-              <a:t>Singleton</a:t>
+              <a:t>Read the book</a:t>
             </a:r>
             <a:endParaRPr lang="en-ZA" dirty="0"/>
           </a:p>
@@ -8661,89 +8623,21 @@
           <a:bodyPr/>
           <a:lstStyle/>
           <a:p>
-            <a:pPr>
-              <a:buFont typeface="Arial" panose="020B0604020202020204" pitchFamily="34" charset="0"/>
-              <a:buChar char="•"/>
-            </a:pPr>
-            <a:r>
-              <a:rPr lang="en-ZA" dirty="0" smtClean="0"/>
-              <a:t>A </a:t>
-            </a:r>
-            <a:r>
-              <a:rPr lang="en-ZA" dirty="0" smtClean="0"/>
-              <a:t>object which </a:t>
-            </a:r>
-            <a:r>
-              <a:rPr lang="en-ZA" dirty="0" smtClean="0"/>
-              <a:t>only has one instance </a:t>
-            </a:r>
-            <a:r>
-              <a:rPr lang="en-ZA" dirty="0" smtClean="0"/>
-              <a:t>declared</a:t>
-            </a:r>
-            <a:endParaRPr lang="en-ZA" dirty="0" smtClean="0"/>
-          </a:p>
-          <a:p>
-            <a:pPr>
-              <a:buFont typeface="Arial" panose="020B0604020202020204" pitchFamily="34" charset="0"/>
-              <a:buChar char="•"/>
-            </a:pPr>
-            <a:r>
-              <a:rPr lang="en-ZA" dirty="0" smtClean="0"/>
-              <a:t>There is a global access point to it</a:t>
-            </a:r>
-          </a:p>
-          <a:p>
-            <a:pPr>
-              <a:buFont typeface="Arial" panose="020B0604020202020204" pitchFamily="34" charset="0"/>
-              <a:buChar char="•"/>
-            </a:pPr>
-            <a:r>
-              <a:rPr lang="en-ZA" dirty="0" smtClean="0"/>
-              <a:t>Used when dealing with error logging in some kind of application</a:t>
-            </a:r>
-          </a:p>
-          <a:p>
-            <a:pPr>
-              <a:buFont typeface="Arial" panose="020B0604020202020204" pitchFamily="34" charset="0"/>
-              <a:buChar char="•"/>
-            </a:pPr>
-            <a:endParaRPr lang="en-ZA" dirty="0" smtClean="0"/>
-          </a:p>
-          <a:p>
-            <a:pPr>
-              <a:buFont typeface="Arial" panose="020B0604020202020204" pitchFamily="34" charset="0"/>
-              <a:buChar char="•"/>
-            </a:pPr>
-            <a:r>
-              <a:rPr lang="en-ZA" dirty="0" smtClean="0"/>
-              <a:t>Example:</a:t>
-            </a:r>
-          </a:p>
-          <a:p>
-            <a:pPr>
-              <a:buFont typeface="Arial" panose="020B0604020202020204" pitchFamily="34" charset="0"/>
-              <a:buChar char="•"/>
-            </a:pPr>
             <a:r>
               <a:rPr lang="en-ZA" dirty="0">
                 <a:hlinkClick r:id="rId2"/>
               </a:rPr>
-              <a:t>http://</a:t>
+              <a:t>https://</a:t>
             </a:r>
             <a:r>
               <a:rPr lang="en-ZA" dirty="0" smtClean="0">
                 <a:hlinkClick r:id="rId2"/>
               </a:rPr>
-              <a:t>www.dofactory.com/net/singleton-design-pattern</a:t>
+              <a:t>addyosmani.com/resources/essentialjsdesignpatterns/book/</a:t>
             </a:r>
             <a:endParaRPr lang="en-ZA" dirty="0" smtClean="0"/>
           </a:p>
           <a:p>
-            <a:pPr>
-              <a:buFont typeface="Arial" panose="020B0604020202020204" pitchFamily="34" charset="0"/>
-              <a:buChar char="•"/>
-            </a:pPr>
             <a:endParaRPr lang="en-ZA" dirty="0"/>
           </a:p>
         </p:txBody>
@@ -8751,7 +8645,7 @@
     </p:spTree>
     <p:extLst>
       <p:ext uri="{BB962C8B-B14F-4D97-AF65-F5344CB8AC3E}">
-        <p14:creationId xmlns:p14="http://schemas.microsoft.com/office/powerpoint/2010/main" val="652964231"/>
+        <p14:creationId xmlns:p14="http://schemas.microsoft.com/office/powerpoint/2010/main" val="3101499796"/>
       </p:ext>
     </p:extLst>
   </p:cSld>
@@ -8769,299 +8663,6 @@
 </file>
 
 <file path=ppt/slides/slide26.xml><?xml version="1.0" encoding="utf-8"?>
-<p:sld xmlns:a="http://schemas.openxmlformats.org/drawingml/2006/main" xmlns:r="http://schemas.openxmlformats.org/officeDocument/2006/relationships" xmlns:p="http://schemas.openxmlformats.org/presentationml/2006/main">
-  <p:cSld>
-    <p:spTree>
-      <p:nvGrpSpPr>
-        <p:cNvPr id="1" name=""/>
-        <p:cNvGrpSpPr/>
-        <p:nvPr/>
-      </p:nvGrpSpPr>
-      <p:grpSpPr>
-        <a:xfrm>
-          <a:off x="0" y="0"/>
-          <a:ext cx="0" cy="0"/>
-          <a:chOff x="0" y="0"/>
-          <a:chExt cx="0" cy="0"/>
-        </a:xfrm>
-      </p:grpSpPr>
-      <p:sp>
-        <p:nvSpPr>
-          <p:cNvPr id="2" name="Title 1"/>
-          <p:cNvSpPr>
-            <a:spLocks noGrp="1"/>
-          </p:cNvSpPr>
-          <p:nvPr>
-            <p:ph type="title"/>
-          </p:nvPr>
-        </p:nvSpPr>
-        <p:spPr/>
-        <p:txBody>
-          <a:bodyPr/>
-          <a:lstStyle/>
-          <a:p>
-            <a:r>
-              <a:rPr lang="en-ZA" dirty="0" smtClean="0"/>
-              <a:t>Factory Method	</a:t>
-            </a:r>
-            <a:endParaRPr lang="en-ZA" dirty="0"/>
-          </a:p>
-        </p:txBody>
-      </p:sp>
-      <p:sp>
-        <p:nvSpPr>
-          <p:cNvPr id="3" name="Content Placeholder 2"/>
-          <p:cNvSpPr>
-            <a:spLocks noGrp="1"/>
-          </p:cNvSpPr>
-          <p:nvPr>
-            <p:ph idx="1"/>
-          </p:nvPr>
-        </p:nvSpPr>
-        <p:spPr/>
-        <p:txBody>
-          <a:bodyPr/>
-          <a:lstStyle/>
-          <a:p>
-            <a:pPr>
-              <a:buFont typeface="Arial" panose="020B0604020202020204" pitchFamily="34" charset="0"/>
-              <a:buChar char="•"/>
-            </a:pPr>
-            <a:r>
-              <a:rPr lang="en-ZA" dirty="0" smtClean="0"/>
-              <a:t>Used </a:t>
-            </a:r>
-            <a:r>
-              <a:rPr lang="en-ZA" dirty="0" smtClean="0"/>
-              <a:t>often</a:t>
-            </a:r>
-          </a:p>
-          <a:p>
-            <a:pPr>
-              <a:buFont typeface="Arial" panose="020B0604020202020204" pitchFamily="34" charset="0"/>
-              <a:buChar char="•"/>
-            </a:pPr>
-            <a:r>
-              <a:rPr lang="en-ZA" dirty="0" smtClean="0"/>
-              <a:t>Creational pattern</a:t>
-            </a:r>
-          </a:p>
-          <a:p>
-            <a:pPr>
-              <a:buFont typeface="Arial" panose="020B0604020202020204" pitchFamily="34" charset="0"/>
-              <a:buChar char="•"/>
-            </a:pPr>
-            <a:endParaRPr lang="en-ZA" dirty="0" smtClean="0"/>
-          </a:p>
-          <a:p>
-            <a:pPr>
-              <a:buFont typeface="Arial" panose="020B0604020202020204" pitchFamily="34" charset="0"/>
-              <a:buChar char="•"/>
-            </a:pPr>
-            <a:r>
-              <a:rPr lang="en-ZA" dirty="0" smtClean="0"/>
-              <a:t>Defines an interface for creating generic objects</a:t>
-            </a:r>
-          </a:p>
-          <a:p>
-            <a:pPr>
-              <a:buFont typeface="Arial" panose="020B0604020202020204" pitchFamily="34" charset="0"/>
-              <a:buChar char="•"/>
-            </a:pPr>
-            <a:r>
-              <a:rPr lang="en-ZA" dirty="0" smtClean="0"/>
-              <a:t>Lets </a:t>
-            </a:r>
-            <a:r>
-              <a:rPr lang="en-ZA" dirty="0" smtClean="0"/>
-              <a:t>sub-objects </a:t>
-            </a:r>
-            <a:r>
-              <a:rPr lang="en-ZA" dirty="0" smtClean="0"/>
-              <a:t>decide which </a:t>
-            </a:r>
-            <a:r>
-              <a:rPr lang="en-ZA" dirty="0" smtClean="0"/>
-              <a:t>object to </a:t>
-            </a:r>
-            <a:r>
-              <a:rPr lang="en-ZA" dirty="0" smtClean="0"/>
-              <a:t>instantiate</a:t>
-            </a:r>
-          </a:p>
-          <a:p>
-            <a:pPr>
-              <a:buFont typeface="Arial" panose="020B0604020202020204" pitchFamily="34" charset="0"/>
-              <a:buChar char="•"/>
-            </a:pPr>
-            <a:r>
-              <a:rPr lang="en-ZA" dirty="0" smtClean="0"/>
-              <a:t>The factory is an intermediary </a:t>
-            </a:r>
-            <a:r>
-              <a:rPr lang="en-ZA" dirty="0" smtClean="0"/>
-              <a:t>that </a:t>
-            </a:r>
-            <a:r>
-              <a:rPr lang="en-ZA" dirty="0" smtClean="0"/>
-              <a:t>allows an object </a:t>
-            </a:r>
-            <a:r>
-              <a:rPr lang="en-ZA" dirty="0" smtClean="0"/>
-              <a:t>instance to </a:t>
-            </a:r>
-            <a:r>
-              <a:rPr lang="en-ZA" dirty="0" smtClean="0"/>
-              <a:t>be instantiated with different </a:t>
-            </a:r>
-            <a:r>
-              <a:rPr lang="en-ZA" dirty="0" smtClean="0"/>
-              <a:t>objects from </a:t>
-            </a:r>
-            <a:r>
-              <a:rPr lang="en-ZA" dirty="0" smtClean="0"/>
-              <a:t>the same entry point.</a:t>
-            </a:r>
-          </a:p>
-          <a:p>
-            <a:pPr>
-              <a:buFont typeface="Arial" panose="020B0604020202020204" pitchFamily="34" charset="0"/>
-              <a:buChar char="•"/>
-            </a:pPr>
-            <a:r>
-              <a:rPr lang="en-ZA" dirty="0" smtClean="0"/>
-              <a:t>Example</a:t>
-            </a:r>
-            <a:endParaRPr lang="en-ZA" dirty="0" smtClean="0"/>
-          </a:p>
-          <a:p>
-            <a:pPr lvl="1">
-              <a:buFont typeface="Arial" panose="020B0604020202020204" pitchFamily="34" charset="0"/>
-              <a:buChar char="•"/>
-            </a:pPr>
-            <a:r>
-              <a:rPr lang="en-ZA" dirty="0" smtClean="0"/>
-              <a:t>See pattern book</a:t>
-            </a:r>
-            <a:endParaRPr lang="en-ZA" dirty="0" smtClean="0"/>
-          </a:p>
-          <a:p>
-            <a:pPr>
-              <a:buFont typeface="Arial" panose="020B0604020202020204" pitchFamily="34" charset="0"/>
-              <a:buChar char="•"/>
-            </a:pPr>
-            <a:endParaRPr lang="en-ZA" dirty="0"/>
-          </a:p>
-        </p:txBody>
-      </p:sp>
-    </p:spTree>
-    <p:extLst>
-      <p:ext uri="{BB962C8B-B14F-4D97-AF65-F5344CB8AC3E}">
-        <p14:creationId xmlns:p14="http://schemas.microsoft.com/office/powerpoint/2010/main" val="2066220856"/>
-      </p:ext>
-    </p:extLst>
-  </p:cSld>
-  <p:clrMapOvr>
-    <a:masterClrMapping/>
-  </p:clrMapOvr>
-  <p:timing>
-    <p:tnLst>
-      <p:par>
-        <p:cTn id="1" dur="indefinite" restart="never" nodeType="tmRoot"/>
-      </p:par>
-    </p:tnLst>
-  </p:timing>
-</p:sld>
-</file>
-
-<file path=ppt/slides/slide27.xml><?xml version="1.0" encoding="utf-8"?>
-<p:sld xmlns:a="http://schemas.openxmlformats.org/drawingml/2006/main" xmlns:r="http://schemas.openxmlformats.org/officeDocument/2006/relationships" xmlns:p="http://schemas.openxmlformats.org/presentationml/2006/main">
-  <p:cSld>
-    <p:spTree>
-      <p:nvGrpSpPr>
-        <p:cNvPr id="1" name=""/>
-        <p:cNvGrpSpPr/>
-        <p:nvPr/>
-      </p:nvGrpSpPr>
-      <p:grpSpPr>
-        <a:xfrm>
-          <a:off x="0" y="0"/>
-          <a:ext cx="0" cy="0"/>
-          <a:chOff x="0" y="0"/>
-          <a:chExt cx="0" cy="0"/>
-        </a:xfrm>
-      </p:grpSpPr>
-      <p:sp>
-        <p:nvSpPr>
-          <p:cNvPr id="2" name="Title 1"/>
-          <p:cNvSpPr>
-            <a:spLocks noGrp="1"/>
-          </p:cNvSpPr>
-          <p:nvPr>
-            <p:ph type="title"/>
-          </p:nvPr>
-        </p:nvSpPr>
-        <p:spPr/>
-        <p:txBody>
-          <a:bodyPr/>
-          <a:lstStyle/>
-          <a:p>
-            <a:r>
-              <a:rPr lang="en-ZA" dirty="0" smtClean="0"/>
-              <a:t>Read the book</a:t>
-            </a:r>
-            <a:endParaRPr lang="en-ZA" dirty="0"/>
-          </a:p>
-        </p:txBody>
-      </p:sp>
-      <p:sp>
-        <p:nvSpPr>
-          <p:cNvPr id="3" name="Content Placeholder 2"/>
-          <p:cNvSpPr>
-            <a:spLocks noGrp="1"/>
-          </p:cNvSpPr>
-          <p:nvPr>
-            <p:ph idx="1"/>
-          </p:nvPr>
-        </p:nvSpPr>
-        <p:spPr/>
-        <p:txBody>
-          <a:bodyPr/>
-          <a:lstStyle/>
-          <a:p>
-            <a:r>
-              <a:rPr lang="en-ZA" dirty="0">
-                <a:hlinkClick r:id="rId2"/>
-              </a:rPr>
-              <a:t>https://</a:t>
-            </a:r>
-            <a:r>
-              <a:rPr lang="en-ZA" dirty="0" smtClean="0">
-                <a:hlinkClick r:id="rId2"/>
-              </a:rPr>
-              <a:t>addyosmani.com/resources/essentialjsdesignpatterns/book/</a:t>
-            </a:r>
-            <a:endParaRPr lang="en-ZA" dirty="0" smtClean="0"/>
-          </a:p>
-          <a:p>
-            <a:endParaRPr lang="en-ZA" dirty="0"/>
-          </a:p>
-        </p:txBody>
-      </p:sp>
-    </p:spTree>
-    <p:extLst>
-      <p:ext uri="{BB962C8B-B14F-4D97-AF65-F5344CB8AC3E}">
-        <p14:creationId xmlns:p14="http://schemas.microsoft.com/office/powerpoint/2010/main" val="3101499796"/>
-      </p:ext>
-    </p:extLst>
-  </p:cSld>
-  <p:clrMapOvr>
-    <a:masterClrMapping/>
-  </p:clrMapOvr>
-</p:sld>
-</file>
-
-<file path=ppt/slides/slide28.xml><?xml version="1.0" encoding="utf-8"?>
 <p:sld xmlns:a="http://schemas.openxmlformats.org/drawingml/2006/main" xmlns:r="http://schemas.openxmlformats.org/officeDocument/2006/relationships" xmlns:p="http://schemas.openxmlformats.org/presentationml/2006/main">
   <p:cSld>
     <p:spTree>
@@ -10070,6 +9671,246 @@
 </p:sld>
 </file>
 
+<file path=ppt/slides/slide27.xml><?xml version="1.0" encoding="utf-8"?>
+<p:sld xmlns:a="http://schemas.openxmlformats.org/drawingml/2006/main" xmlns:r="http://schemas.openxmlformats.org/officeDocument/2006/relationships" xmlns:p="http://schemas.openxmlformats.org/presentationml/2006/main">
+  <p:cSld>
+    <p:spTree>
+      <p:nvGrpSpPr>
+        <p:cNvPr id="1" name=""/>
+        <p:cNvGrpSpPr/>
+        <p:nvPr/>
+      </p:nvGrpSpPr>
+      <p:grpSpPr>
+        <a:xfrm>
+          <a:off x="0" y="0"/>
+          <a:ext cx="0" cy="0"/>
+          <a:chOff x="0" y="0"/>
+          <a:chExt cx="0" cy="0"/>
+        </a:xfrm>
+      </p:grpSpPr>
+      <p:sp>
+        <p:nvSpPr>
+          <p:cNvPr id="2" name="Title 1"/>
+          <p:cNvSpPr>
+            <a:spLocks noGrp="1"/>
+          </p:cNvSpPr>
+          <p:nvPr>
+            <p:ph type="title"/>
+          </p:nvPr>
+        </p:nvSpPr>
+        <p:spPr/>
+        <p:txBody>
+          <a:bodyPr/>
+          <a:lstStyle/>
+          <a:p>
+            <a:r>
+              <a:rPr lang="en-ZA" dirty="0" err="1" smtClean="0"/>
+              <a:t>Callback</a:t>
+            </a:r>
+            <a:r>
+              <a:rPr lang="en-ZA" dirty="0" smtClean="0"/>
+              <a:t> </a:t>
+            </a:r>
+            <a:r>
+              <a:rPr lang="en-ZA" dirty="0" err="1"/>
+              <a:t>S</a:t>
+            </a:r>
+            <a:r>
+              <a:rPr lang="en-ZA" dirty="0" err="1" smtClean="0"/>
+              <a:t>ytax</a:t>
+            </a:r>
+            <a:endParaRPr lang="en-ZA" dirty="0"/>
+          </a:p>
+        </p:txBody>
+      </p:sp>
+      <p:sp>
+        <p:nvSpPr>
+          <p:cNvPr id="3" name="Content Placeholder 2"/>
+          <p:cNvSpPr>
+            <a:spLocks noGrp="1"/>
+          </p:cNvSpPr>
+          <p:nvPr>
+            <p:ph idx="1"/>
+          </p:nvPr>
+        </p:nvSpPr>
+        <p:spPr/>
+        <p:txBody>
+          <a:bodyPr/>
+          <a:lstStyle/>
+          <a:p>
+            <a:r>
+              <a:rPr lang="en-ZA" dirty="0" smtClean="0"/>
+              <a:t>Based on the programming paradigm of functional programming</a:t>
+            </a:r>
+          </a:p>
+          <a:p>
+            <a:r>
+              <a:rPr lang="en-ZA" dirty="0" smtClean="0"/>
+              <a:t>Functions are objects</a:t>
+            </a:r>
+          </a:p>
+          <a:p>
+            <a:endParaRPr lang="en-ZA" dirty="0" smtClean="0"/>
+          </a:p>
+          <a:p>
+            <a:r>
+              <a:rPr lang="en-ZA" dirty="0" smtClean="0"/>
+              <a:t>What happens is that a function returns a </a:t>
+            </a:r>
+            <a:r>
+              <a:rPr lang="en-ZA" dirty="0" err="1" smtClean="0"/>
+              <a:t>callback</a:t>
+            </a:r>
+            <a:r>
+              <a:rPr lang="en-ZA" dirty="0" smtClean="0"/>
+              <a:t> object which can be a data packet or a function.</a:t>
+            </a:r>
+          </a:p>
+          <a:p>
+            <a:r>
+              <a:rPr lang="en-ZA" dirty="0" smtClean="0"/>
+              <a:t>The find using mongoose from last session is an example of using </a:t>
+            </a:r>
+            <a:r>
+              <a:rPr lang="en-ZA" dirty="0" err="1" smtClean="0"/>
+              <a:t>callbacks</a:t>
+            </a:r>
+            <a:r>
+              <a:rPr lang="en-ZA" dirty="0" smtClean="0"/>
+              <a:t> to get data objects.</a:t>
+            </a:r>
+            <a:endParaRPr lang="en-ZA" dirty="0"/>
+          </a:p>
+        </p:txBody>
+      </p:sp>
+    </p:spTree>
+    <p:extLst>
+      <p:ext uri="{BB962C8B-B14F-4D97-AF65-F5344CB8AC3E}">
+        <p14:creationId xmlns:p14="http://schemas.microsoft.com/office/powerpoint/2010/main" val="1682946805"/>
+      </p:ext>
+    </p:extLst>
+  </p:cSld>
+  <p:clrMapOvr>
+    <a:masterClrMapping/>
+  </p:clrMapOvr>
+</p:sld>
+</file>
+
+<file path=ppt/slides/slide28.xml><?xml version="1.0" encoding="utf-8"?>
+<p:sld xmlns:a="http://schemas.openxmlformats.org/drawingml/2006/main" xmlns:r="http://schemas.openxmlformats.org/officeDocument/2006/relationships" xmlns:p="http://schemas.openxmlformats.org/presentationml/2006/main">
+  <p:cSld>
+    <p:spTree>
+      <p:nvGrpSpPr>
+        <p:cNvPr id="1" name=""/>
+        <p:cNvGrpSpPr/>
+        <p:nvPr/>
+      </p:nvGrpSpPr>
+      <p:grpSpPr>
+        <a:xfrm>
+          <a:off x="0" y="0"/>
+          <a:ext cx="0" cy="0"/>
+          <a:chOff x="0" y="0"/>
+          <a:chExt cx="0" cy="0"/>
+        </a:xfrm>
+      </p:grpSpPr>
+      <p:sp>
+        <p:nvSpPr>
+          <p:cNvPr id="2" name="Title 1"/>
+          <p:cNvSpPr>
+            <a:spLocks noGrp="1"/>
+          </p:cNvSpPr>
+          <p:nvPr>
+            <p:ph type="title"/>
+          </p:nvPr>
+        </p:nvSpPr>
+        <p:spPr/>
+        <p:txBody>
+          <a:bodyPr/>
+          <a:lstStyle/>
+          <a:p>
+            <a:r>
+              <a:rPr lang="en-ZA" dirty="0" err="1" smtClean="0"/>
+              <a:t>Callback</a:t>
+            </a:r>
+            <a:r>
+              <a:rPr lang="en-ZA" dirty="0" smtClean="0"/>
+              <a:t> Hell</a:t>
+            </a:r>
+            <a:endParaRPr lang="en-ZA" dirty="0"/>
+          </a:p>
+        </p:txBody>
+      </p:sp>
+      <p:sp>
+        <p:nvSpPr>
+          <p:cNvPr id="3" name="Content Placeholder 2"/>
+          <p:cNvSpPr>
+            <a:spLocks noGrp="1"/>
+          </p:cNvSpPr>
+          <p:nvPr>
+            <p:ph idx="1"/>
+          </p:nvPr>
+        </p:nvSpPr>
+        <p:spPr/>
+        <p:txBody>
+          <a:bodyPr/>
+          <a:lstStyle/>
+          <a:p>
+            <a:r>
+              <a:rPr lang="en-ZA" dirty="0">
+                <a:hlinkClick r:id="rId2"/>
+              </a:rPr>
+              <a:t>http://callbackhell.com</a:t>
+            </a:r>
+            <a:r>
+              <a:rPr lang="en-ZA" dirty="0" smtClean="0">
+                <a:hlinkClick r:id="rId2"/>
+              </a:rPr>
+              <a:t>/</a:t>
+            </a:r>
+            <a:endParaRPr lang="en-ZA" dirty="0" smtClean="0"/>
+          </a:p>
+          <a:p>
+            <a:endParaRPr lang="en-ZA" dirty="0"/>
+          </a:p>
+        </p:txBody>
+      </p:sp>
+      <p:pic>
+        <p:nvPicPr>
+          <p:cNvPr id="4" name="Picture 3"/>
+          <p:cNvPicPr>
+            <a:picLocks noChangeAspect="1"/>
+          </p:cNvPicPr>
+          <p:nvPr/>
+        </p:nvPicPr>
+        <p:blipFill>
+          <a:blip r:embed="rId3"/>
+          <a:stretch>
+            <a:fillRect/>
+          </a:stretch>
+        </p:blipFill>
+        <p:spPr>
+          <a:xfrm>
+            <a:off x="1923744" y="2514599"/>
+            <a:ext cx="7305675" cy="3733800"/>
+          </a:xfrm>
+          <a:prstGeom prst="rect">
+            <a:avLst/>
+          </a:prstGeom>
+        </p:spPr>
+      </p:pic>
+    </p:spTree>
+    <p:extLst>
+      <p:ext uri="{BB962C8B-B14F-4D97-AF65-F5344CB8AC3E}">
+        <p14:creationId xmlns:p14="http://schemas.microsoft.com/office/powerpoint/2010/main" val="3713878542"/>
+      </p:ext>
+    </p:extLst>
+  </p:cSld>
+  <p:clrMapOvr>
+    <a:masterClrMapping/>
+  </p:clrMapOvr>
+</p:sld>
+</file>
+
 <file path=ppt/slides/slide29.xml><?xml version="1.0" encoding="utf-8"?>
 <p:sld xmlns:a="http://schemas.openxmlformats.org/drawingml/2006/main" xmlns:r="http://schemas.openxmlformats.org/officeDocument/2006/relationships" xmlns:p="http://schemas.openxmlformats.org/presentationml/2006/main">
   <p:cSld>
@@ -10104,15 +9945,11 @@
           <a:p>
             <a:r>
               <a:rPr lang="en-ZA" dirty="0" err="1" smtClean="0"/>
-              <a:t>Callback</a:t>
-            </a:r>
-            <a:r>
-              <a:rPr lang="en-ZA" dirty="0" smtClean="0"/>
-              <a:t> </a:t>
-            </a:r>
-            <a:r>
-              <a:rPr lang="en-ZA" dirty="0" err="1" smtClean="0"/>
-              <a:t>sytax</a:t>
+              <a:t>Async</a:t>
+            </a:r>
+            <a:r>
+              <a:rPr lang="en-ZA" dirty="0" smtClean="0"/>
+              <a:t> Library</a:t>
             </a:r>
             <a:endParaRPr lang="en-ZA" dirty="0"/>
           </a:p>
@@ -10130,41 +9967,47 @@
         </p:nvSpPr>
         <p:spPr/>
         <p:txBody>
-          <a:bodyPr/>
-          <a:lstStyle/>
-          <a:p>
-            <a:r>
-              <a:rPr lang="en-ZA" dirty="0" smtClean="0"/>
-              <a:t>Based on the programming paradigm of functional programming</a:t>
-            </a:r>
-          </a:p>
-          <a:p>
-            <a:r>
-              <a:rPr lang="en-ZA" dirty="0" smtClean="0"/>
-              <a:t>Functions are objects</a:t>
-            </a:r>
-          </a:p>
-          <a:p>
+          <a:bodyPr>
+            <a:normAutofit lnSpcReduction="10000"/>
+          </a:bodyPr>
+          <a:lstStyle/>
+          <a:p>
+            <a:r>
+              <a:rPr lang="en-ZA" dirty="0">
+                <a:hlinkClick r:id="rId2"/>
+              </a:rPr>
+              <a:t>https://</a:t>
+            </a:r>
+            <a:r>
+              <a:rPr lang="en-ZA" dirty="0" smtClean="0">
+                <a:hlinkClick r:id="rId2"/>
+              </a:rPr>
+              <a:t>www.npmjs.com/package/async</a:t>
+            </a:r>
             <a:endParaRPr lang="en-ZA" dirty="0" smtClean="0"/>
           </a:p>
           <a:p>
             <a:r>
-              <a:rPr lang="en-ZA" dirty="0" smtClean="0"/>
-              <a:t>What happens is that a function returns a </a:t>
-            </a:r>
-            <a:r>
-              <a:rPr lang="en-ZA" dirty="0" err="1" smtClean="0"/>
-              <a:t>callback</a:t>
-            </a:r>
-            <a:r>
-              <a:rPr lang="en-ZA" dirty="0" smtClean="0"/>
-              <a:t> object which can be a data packet or a function.</a:t>
-            </a:r>
-          </a:p>
-          <a:p>
-            <a:r>
-              <a:rPr lang="en-ZA" dirty="0" smtClean="0"/>
-              <a:t>The find using mongoose from last session is an example of using </a:t>
+              <a:rPr lang="en-ZA" dirty="0">
+                <a:hlinkClick r:id="rId3"/>
+              </a:rPr>
+              <a:t>http://caolan.github.io/async</a:t>
+            </a:r>
+            <a:r>
+              <a:rPr lang="en-ZA" dirty="0" smtClean="0">
+                <a:hlinkClick r:id="rId3"/>
+              </a:rPr>
+              <a:t>/</a:t>
+            </a:r>
+            <a:endParaRPr lang="en-ZA" dirty="0" smtClean="0"/>
+          </a:p>
+          <a:p>
+            <a:endParaRPr lang="en-ZA" dirty="0" smtClean="0"/>
+          </a:p>
+          <a:p>
+            <a:r>
+              <a:rPr lang="en-ZA" dirty="0" smtClean="0"/>
+              <a:t>Works with </a:t>
             </a:r>
             <a:r>
               <a:rPr lang="en-ZA" dirty="0" err="1" smtClean="0"/>
@@ -10172,7 +10015,39 @@
             </a:r>
             <a:r>
               <a:rPr lang="en-ZA" dirty="0" smtClean="0"/>
-              <a:t> to get data objects.</a:t>
+              <a:t>, but ensures that there is no nesting by using functional style</a:t>
+            </a:r>
+            <a:endParaRPr lang="en-ZA" dirty="0"/>
+          </a:p>
+          <a:p>
+            <a:r>
+              <a:rPr lang="en-ZA" dirty="0" smtClean="0"/>
+              <a:t>Utility module with several functions to deal with asynchronous JavaScript</a:t>
+            </a:r>
+          </a:p>
+          <a:p>
+            <a:r>
+              <a:rPr lang="en-ZA" dirty="0" smtClean="0"/>
+              <a:t>Only looking at </a:t>
+            </a:r>
+            <a:r>
+              <a:rPr lang="en-ZA" dirty="0" err="1" smtClean="0"/>
+              <a:t>async.waterfall</a:t>
+            </a:r>
+            <a:endParaRPr lang="en-ZA" dirty="0" smtClean="0"/>
+          </a:p>
+          <a:p>
+            <a:r>
+              <a:rPr lang="en-ZA" dirty="0" smtClean="0"/>
+              <a:t>Works like a waterfall, waits for one </a:t>
+            </a:r>
+            <a:r>
+              <a:rPr lang="en-ZA" dirty="0" err="1" smtClean="0"/>
+              <a:t>async</a:t>
+            </a:r>
+            <a:r>
+              <a:rPr lang="en-ZA" dirty="0" smtClean="0"/>
+              <a:t> function to get data before taking that data and pushing it into the next function on the list</a:t>
             </a:r>
             <a:endParaRPr lang="en-ZA" dirty="0"/>
           </a:p>
@@ -10181,7 +10056,7 @@
     </p:spTree>
     <p:extLst>
       <p:ext uri="{BB962C8B-B14F-4D97-AF65-F5344CB8AC3E}">
-        <p14:creationId xmlns:p14="http://schemas.microsoft.com/office/powerpoint/2010/main" val="1682946805"/>
+        <p14:creationId xmlns:p14="http://schemas.microsoft.com/office/powerpoint/2010/main" val="4028895228"/>
       </p:ext>
     </p:extLst>
   </p:cSld>
@@ -10334,37 +10209,85 @@
           <a:lstStyle/>
           <a:p>
             <a:r>
+              <a:rPr lang="en-ZA" dirty="0" smtClean="0"/>
+              <a:t>Generators</a:t>
+            </a:r>
+            <a:endParaRPr lang="en-ZA" dirty="0"/>
+          </a:p>
+        </p:txBody>
+      </p:sp>
+      <p:sp>
+        <p:nvSpPr>
+          <p:cNvPr id="3" name="Content Placeholder 2"/>
+          <p:cNvSpPr>
+            <a:spLocks noGrp="1"/>
+          </p:cNvSpPr>
+          <p:nvPr>
+            <p:ph idx="1"/>
+          </p:nvPr>
+        </p:nvSpPr>
+        <p:spPr/>
+        <p:txBody>
+          <a:bodyPr>
+            <a:normAutofit fontScale="92500" lnSpcReduction="10000"/>
+          </a:bodyPr>
+          <a:lstStyle/>
+          <a:p>
+            <a:r>
+              <a:rPr lang="en-ZA" dirty="0" smtClean="0"/>
+              <a:t>JavaScript ES5, ES6, ES7 are standards which are loosely followed by </a:t>
+            </a:r>
+            <a:r>
               <a:rPr lang="en-ZA" dirty="0" err="1" smtClean="0"/>
-              <a:t>Callback</a:t>
-            </a:r>
-            <a:r>
-              <a:rPr lang="en-ZA" dirty="0" smtClean="0"/>
-              <a:t> Hell</a:t>
-            </a:r>
+              <a:t>NodeJS</a:t>
+            </a:r>
+            <a:r>
+              <a:rPr lang="en-ZA" dirty="0" smtClean="0"/>
+              <a:t> and web-browsers.</a:t>
+            </a:r>
+          </a:p>
+          <a:p>
+            <a:r>
+              <a:rPr lang="en-ZA" dirty="0" smtClean="0"/>
+              <a:t>ES6 uses generators, ES7 adds some function directives which aligns with C#.</a:t>
+            </a:r>
+          </a:p>
+          <a:p>
+            <a:r>
+              <a:rPr lang="en-ZA" dirty="0" smtClean="0"/>
+              <a:t>Generators use a control flow library.</a:t>
+            </a:r>
+          </a:p>
+          <a:p>
+            <a:r>
+              <a:rPr lang="en-ZA" dirty="0" smtClean="0"/>
+              <a:t>We will look at co</a:t>
+            </a:r>
+          </a:p>
+          <a:p>
+            <a:pPr lvl="1"/>
+            <a:r>
+              <a:rPr lang="en-ZA" dirty="0"/>
+              <a:t>https://</a:t>
+            </a:r>
+            <a:r>
+              <a:rPr lang="en-ZA" dirty="0" smtClean="0"/>
+              <a:t>www.npmjs.com/package/co</a:t>
+            </a:r>
+          </a:p>
+          <a:p>
             <a:endParaRPr lang="en-ZA" dirty="0"/>
           </a:p>
-        </p:txBody>
-      </p:sp>
-      <p:sp>
-        <p:nvSpPr>
-          <p:cNvPr id="3" name="Content Placeholder 2"/>
-          <p:cNvSpPr>
-            <a:spLocks noGrp="1"/>
-          </p:cNvSpPr>
-          <p:nvPr>
-            <p:ph idx="1"/>
-          </p:nvPr>
-        </p:nvSpPr>
-        <p:spPr/>
-        <p:txBody>
-          <a:bodyPr/>
-          <a:lstStyle/>
-          <a:p>
+          <a:p>
+            <a:endParaRPr lang="en-ZA" dirty="0" smtClean="0"/>
+          </a:p>
+          <a:p>
+            <a:pPr marL="342900" lvl="1" indent="-342900"/>
             <a:r>
               <a:rPr lang="en-ZA" dirty="0">
                 <a:hlinkClick r:id="rId2"/>
               </a:rPr>
-              <a:t>http://callbackhell.com</a:t>
+              <a:t>http://stackabuse.com/node-js-async-await-in-es7</a:t>
             </a:r>
             <a:r>
               <a:rPr lang="en-ZA" dirty="0" smtClean="0">
@@ -10372,6 +10295,21 @@
               </a:rPr>
               <a:t>/</a:t>
             </a:r>
+            <a:endParaRPr lang="en-ZA" dirty="0"/>
+          </a:p>
+          <a:p>
+            <a:r>
+              <a:rPr lang="en-ZA" dirty="0">
+                <a:hlinkClick r:id="rId3"/>
+              </a:rPr>
+              <a:t>http://benmccormick.org/2015/09/14/es5-es6-es2016-es-next-whats-going-on-with-javascript-versioning</a:t>
+            </a:r>
+            <a:r>
+              <a:rPr lang="en-ZA" dirty="0" smtClean="0">
+                <a:hlinkClick r:id="rId3"/>
+              </a:rPr>
+              <a:t>/</a:t>
+            </a:r>
             <a:endParaRPr lang="en-ZA" dirty="0" smtClean="0"/>
           </a:p>
           <a:p>
@@ -10379,34 +10317,10 @@
           </a:p>
         </p:txBody>
       </p:sp>
-      <p:pic>
-        <p:nvPicPr>
-          <p:cNvPr id="4" name="Picture 3"/>
-          <p:cNvPicPr>
-            <a:picLocks noChangeAspect="1"/>
-          </p:cNvPicPr>
-          <p:nvPr/>
-        </p:nvPicPr>
-        <p:blipFill>
-          <a:blip r:embed="rId3"/>
-          <a:stretch>
-            <a:fillRect/>
-          </a:stretch>
-        </p:blipFill>
-        <p:spPr>
-          <a:xfrm>
-            <a:off x="1923744" y="2514599"/>
-            <a:ext cx="7305675" cy="3733800"/>
-          </a:xfrm>
-          <a:prstGeom prst="rect">
-            <a:avLst/>
-          </a:prstGeom>
-        </p:spPr>
-      </p:pic>
     </p:spTree>
     <p:extLst>
       <p:ext uri="{BB962C8B-B14F-4D97-AF65-F5344CB8AC3E}">
-        <p14:creationId xmlns:p14="http://schemas.microsoft.com/office/powerpoint/2010/main" val="3713878542"/>
+        <p14:creationId xmlns:p14="http://schemas.microsoft.com/office/powerpoint/2010/main" val="1684354915"/>
       </p:ext>
     </p:extLst>
   </p:cSld>
@@ -10449,12 +10363,8 @@
           <a:lstStyle/>
           <a:p>
             <a:r>
-              <a:rPr lang="en-ZA" dirty="0" err="1" smtClean="0"/>
-              <a:t>Async</a:t>
-            </a:r>
-            <a:r>
-              <a:rPr lang="en-ZA" dirty="0" smtClean="0"/>
-              <a:t> Library</a:t>
+              <a:rPr lang="en-ZA" dirty="0" smtClean="0"/>
+              <a:t>Promises</a:t>
             </a:r>
             <a:endParaRPr lang="en-ZA" dirty="0"/>
           </a:p>
@@ -10472,10 +10382,23 @@
         </p:nvSpPr>
         <p:spPr/>
         <p:txBody>
-          <a:bodyPr>
-            <a:normAutofit lnSpcReduction="10000"/>
-          </a:bodyPr>
-          <a:lstStyle/>
+          <a:bodyPr/>
+          <a:lstStyle/>
+          <a:p>
+            <a:r>
+              <a:rPr lang="en-ZA" dirty="0" smtClean="0"/>
+              <a:t>It is a placeholder for an eventual result of an asynchronous operation.</a:t>
+            </a:r>
+          </a:p>
+          <a:p>
+            <a:r>
+              <a:rPr lang="en-ZA" dirty="0" smtClean="0"/>
+              <a:t>i.e. it is a promise of an object</a:t>
+            </a:r>
+          </a:p>
+          <a:p>
+            <a:endParaRPr lang="en-ZA" dirty="0"/>
+          </a:p>
           <a:p>
             <a:r>
               <a:rPr lang="en-ZA" dirty="0">
@@ -10487,73 +10410,11 @@
               <a:rPr lang="en-ZA" dirty="0" smtClean="0">
                 <a:hlinkClick r:id="rId2"/>
               </a:rPr>
-              <a:t>www.npmjs.com/package/async</a:t>
+              <a:t>spring.io/understanding/javascript-promises</a:t>
             </a:r>
             <a:endParaRPr lang="en-ZA" dirty="0" smtClean="0"/>
           </a:p>
           <a:p>
-            <a:r>
-              <a:rPr lang="en-ZA" dirty="0">
-                <a:hlinkClick r:id="rId3"/>
-              </a:rPr>
-              <a:t>http://caolan.github.io/async</a:t>
-            </a:r>
-            <a:r>
-              <a:rPr lang="en-ZA" dirty="0" smtClean="0">
-                <a:hlinkClick r:id="rId3"/>
-              </a:rPr>
-              <a:t>/</a:t>
-            </a:r>
-            <a:endParaRPr lang="en-ZA" dirty="0" smtClean="0"/>
-          </a:p>
-          <a:p>
-            <a:endParaRPr lang="en-ZA" dirty="0" smtClean="0"/>
-          </a:p>
-          <a:p>
-            <a:r>
-              <a:rPr lang="en-ZA" dirty="0" smtClean="0"/>
-              <a:t>Works with </a:t>
-            </a:r>
-            <a:r>
-              <a:rPr lang="en-ZA" dirty="0" err="1" smtClean="0"/>
-              <a:t>callbacks</a:t>
-            </a:r>
-            <a:r>
-              <a:rPr lang="en-ZA" dirty="0" smtClean="0"/>
-              <a:t>, but ensures that there is no nesting by using functional style</a:t>
-            </a:r>
-            <a:endParaRPr lang="en-ZA" dirty="0"/>
-          </a:p>
-          <a:p>
-            <a:r>
-              <a:rPr lang="en-ZA" dirty="0" smtClean="0"/>
-              <a:t>Utility module with several functions to deal with asynchronous JavaScript</a:t>
-            </a:r>
-          </a:p>
-          <a:p>
-            <a:r>
-              <a:rPr lang="en-ZA" dirty="0" smtClean="0"/>
-              <a:t>Only looking at </a:t>
-            </a:r>
-            <a:r>
-              <a:rPr lang="en-ZA" dirty="0" err="1" smtClean="0"/>
-              <a:t>async.waterfall</a:t>
-            </a:r>
-            <a:endParaRPr lang="en-ZA" dirty="0" smtClean="0"/>
-          </a:p>
-          <a:p>
-            <a:r>
-              <a:rPr lang="en-ZA" dirty="0" smtClean="0"/>
-              <a:t>Works like a waterfall, waits for one </a:t>
-            </a:r>
-            <a:r>
-              <a:rPr lang="en-ZA" dirty="0" err="1" smtClean="0"/>
-              <a:t>async</a:t>
-            </a:r>
-            <a:r>
-              <a:rPr lang="en-ZA" dirty="0" smtClean="0"/>
-              <a:t> function to get data before taking that data and pushing it into the next function on the list</a:t>
-            </a:r>
             <a:endParaRPr lang="en-ZA" dirty="0"/>
           </a:p>
         </p:txBody>
@@ -10561,7 +10422,7 @@
     </p:spTree>
     <p:extLst>
       <p:ext uri="{BB962C8B-B14F-4D97-AF65-F5344CB8AC3E}">
-        <p14:creationId xmlns:p14="http://schemas.microsoft.com/office/powerpoint/2010/main" val="4028895228"/>
+        <p14:creationId xmlns:p14="http://schemas.microsoft.com/office/powerpoint/2010/main" val="402493005"/>
       </p:ext>
     </p:extLst>
   </p:cSld>
@@ -10605,7 +10466,7 @@
           <a:p>
             <a:r>
               <a:rPr lang="en-ZA" dirty="0" smtClean="0"/>
-              <a:t>Generators</a:t>
+              <a:t>Co library</a:t>
             </a:r>
             <a:endParaRPr lang="en-ZA" dirty="0"/>
           </a:p>
@@ -10623,76 +10484,57 @@
         </p:nvSpPr>
         <p:spPr/>
         <p:txBody>
-          <a:bodyPr>
-            <a:normAutofit fontScale="92500" lnSpcReduction="20000"/>
-          </a:bodyPr>
-          <a:lstStyle/>
-          <a:p>
-            <a:r>
-              <a:rPr lang="en-ZA" dirty="0" smtClean="0"/>
-              <a:t>JavaScript ES5, ES6, ES7 are standards which are loosely followed by </a:t>
-            </a:r>
-            <a:r>
-              <a:rPr lang="en-ZA" dirty="0" err="1" smtClean="0"/>
-              <a:t>NodeJS</a:t>
-            </a:r>
-            <a:r>
-              <a:rPr lang="en-ZA" dirty="0" smtClean="0"/>
-              <a:t> and web-browsers.</a:t>
-            </a:r>
-          </a:p>
-          <a:p>
-            <a:r>
-              <a:rPr lang="en-ZA" dirty="0" smtClean="0"/>
-              <a:t>ES6 uses generators, ES7 adds some function directives which aligns with C#.</a:t>
-            </a:r>
-          </a:p>
-          <a:p>
-            <a:r>
-              <a:rPr lang="en-ZA" dirty="0" smtClean="0"/>
-              <a:t>Generators use a control flow library.</a:t>
-            </a:r>
-          </a:p>
-          <a:p>
-            <a:r>
-              <a:rPr lang="en-ZA" dirty="0" smtClean="0"/>
-              <a:t>We will look at co</a:t>
-            </a:r>
-          </a:p>
-          <a:p>
-            <a:pPr lvl="1"/>
-            <a:r>
-              <a:rPr lang="en-ZA" dirty="0"/>
-              <a:t>https://</a:t>
-            </a:r>
-            <a:r>
-              <a:rPr lang="en-ZA" dirty="0" smtClean="0"/>
-              <a:t>www.npmjs.com/package/co</a:t>
-            </a:r>
-          </a:p>
-          <a:p>
-            <a:endParaRPr lang="en-ZA" dirty="0"/>
-          </a:p>
-          <a:p>
-            <a:endParaRPr lang="en-ZA" dirty="0" smtClean="0"/>
-          </a:p>
-          <a:p>
-            <a:endParaRPr lang="en-ZA" dirty="0"/>
-          </a:p>
+          <a:bodyPr/>
+          <a:lstStyle/>
           <a:p>
             <a:r>
               <a:rPr lang="en-ZA" dirty="0">
                 <a:hlinkClick r:id="rId2"/>
               </a:rPr>
-              <a:t>http://benmccormick.org/2015/09/14/es5-es6-es2016-es-next-whats-going-on-with-javascript-versioning</a:t>
+              <a:t>https://</a:t>
             </a:r>
             <a:r>
               <a:rPr lang="en-ZA" dirty="0" smtClean="0">
                 <a:hlinkClick r:id="rId2"/>
               </a:rPr>
-              <a:t>/</a:t>
+              <a:t>www.npmjs.com/package/co</a:t>
             </a:r>
             <a:endParaRPr lang="en-ZA" dirty="0" smtClean="0"/>
+          </a:p>
+          <a:p>
+            <a:r>
+              <a:rPr lang="en-ZA" dirty="0" smtClean="0"/>
+              <a:t>Two parts</a:t>
+            </a:r>
+          </a:p>
+          <a:p>
+            <a:pPr lvl="1"/>
+            <a:r>
+              <a:rPr lang="en-ZA" dirty="0" smtClean="0"/>
+              <a:t>The </a:t>
+            </a:r>
+            <a:r>
+              <a:rPr lang="en-ZA" dirty="0" err="1" smtClean="0"/>
+              <a:t>async</a:t>
+            </a:r>
+            <a:r>
+              <a:rPr lang="en-ZA" dirty="0" smtClean="0"/>
+              <a:t> function and its promise</a:t>
+            </a:r>
+          </a:p>
+          <a:p>
+            <a:pPr lvl="1"/>
+            <a:r>
+              <a:rPr lang="en-ZA" dirty="0" smtClean="0"/>
+              <a:t>The function call – it is wrapped up with the co library</a:t>
+            </a:r>
+          </a:p>
+          <a:p>
+            <a:pPr lvl="2"/>
+            <a:r>
+              <a:rPr lang="en-ZA" dirty="0" smtClean="0"/>
+              <a:t>Uses the yield keyword (directive)</a:t>
+            </a:r>
           </a:p>
           <a:p>
             <a:endParaRPr lang="en-ZA" dirty="0"/>
@@ -10702,7 +10544,7 @@
     </p:spTree>
     <p:extLst>
       <p:ext uri="{BB962C8B-B14F-4D97-AF65-F5344CB8AC3E}">
-        <p14:creationId xmlns:p14="http://schemas.microsoft.com/office/powerpoint/2010/main" val="1684354915"/>
+        <p14:creationId xmlns:p14="http://schemas.microsoft.com/office/powerpoint/2010/main" val="1245780868"/>
       </p:ext>
     </p:extLst>
   </p:cSld>
@@ -10746,7 +10588,7 @@
           <a:p>
             <a:r>
               <a:rPr lang="en-ZA" dirty="0" smtClean="0"/>
-              <a:t>Promises</a:t>
+              <a:t>The future</a:t>
             </a:r>
             <a:endParaRPr lang="en-ZA" dirty="0"/>
           </a:p>
@@ -10769,17 +10611,33 @@
           <a:p>
             <a:r>
               <a:rPr lang="en-ZA" dirty="0" smtClean="0"/>
-              <a:t>It is a placeholder for an eventual result of an asynchronous operation.</a:t>
-            </a:r>
-          </a:p>
-          <a:p>
-            <a:r>
-              <a:rPr lang="en-ZA" dirty="0" smtClean="0"/>
-              <a:t>i.e. it is a promise of an object</a:t>
-            </a:r>
-          </a:p>
-          <a:p>
-            <a:endParaRPr lang="en-ZA" dirty="0"/>
+              <a:t>ES7</a:t>
+            </a:r>
+          </a:p>
+          <a:p>
+            <a:r>
+              <a:rPr lang="en-ZA" dirty="0" smtClean="0"/>
+              <a:t>Using the directives</a:t>
+            </a:r>
+          </a:p>
+          <a:p>
+            <a:pPr lvl="1"/>
+            <a:r>
+              <a:rPr lang="en-ZA" dirty="0" err="1" smtClean="0"/>
+              <a:t>async</a:t>
+            </a:r>
+            <a:endParaRPr lang="en-ZA" dirty="0" smtClean="0"/>
+          </a:p>
+          <a:p>
+            <a:pPr lvl="1"/>
+            <a:r>
+              <a:rPr lang="en-ZA" dirty="0"/>
+              <a:t>a</a:t>
+            </a:r>
+            <a:r>
+              <a:rPr lang="en-ZA" dirty="0" smtClean="0"/>
+              <a:t>wait</a:t>
+            </a:r>
           </a:p>
           <a:p>
             <a:r>
@@ -10792,11 +10650,43 @@
               <a:rPr lang="en-ZA" dirty="0" smtClean="0">
                 <a:hlinkClick r:id="rId2"/>
               </a:rPr>
-              <a:t>spring.io/understanding/javascript-promises</a:t>
+              <a:t>github.com/tc39/ecmascript-asyncawait</a:t>
             </a:r>
             <a:endParaRPr lang="en-ZA" dirty="0" smtClean="0"/>
           </a:p>
           <a:p>
+            <a:r>
+              <a:rPr lang="en-ZA" dirty="0" smtClean="0"/>
+              <a:t>Similar to how C# works with asynchronous functions</a:t>
+            </a:r>
+          </a:p>
+          <a:p>
+            <a:endParaRPr lang="en-ZA" dirty="0" smtClean="0"/>
+          </a:p>
+          <a:p>
+            <a:r>
+              <a:rPr lang="en-ZA" dirty="0" smtClean="0"/>
+              <a:t>Detailed Explanation:</a:t>
+            </a:r>
+          </a:p>
+          <a:p>
+            <a:pPr lvl="1"/>
+            <a:r>
+              <a:rPr lang="en-ZA" dirty="0">
+                <a:hlinkClick r:id="rId3"/>
+              </a:rPr>
+              <a:t>http://stackabuse.com/node-js-async-await-in-es7</a:t>
+            </a:r>
+            <a:r>
+              <a:rPr lang="en-ZA" dirty="0" smtClean="0">
+                <a:hlinkClick r:id="rId3"/>
+              </a:rPr>
+              <a:t>/</a:t>
+            </a:r>
+            <a:endParaRPr lang="en-ZA" dirty="0" smtClean="0"/>
+          </a:p>
+          <a:p>
+            <a:pPr lvl="1"/>
             <a:endParaRPr lang="en-ZA" dirty="0"/>
           </a:p>
         </p:txBody>
@@ -10804,7 +10694,7 @@
     </p:spTree>
     <p:extLst>
       <p:ext uri="{BB962C8B-B14F-4D97-AF65-F5344CB8AC3E}">
-        <p14:creationId xmlns:p14="http://schemas.microsoft.com/office/powerpoint/2010/main" val="402493005"/>
+        <p14:creationId xmlns:p14="http://schemas.microsoft.com/office/powerpoint/2010/main" val="2235016716"/>
       </p:ext>
     </p:extLst>
   </p:cSld>
@@ -10847,278 +10737,6 @@
           <a:lstStyle/>
           <a:p>
             <a:r>
-              <a:rPr lang="en-ZA" dirty="0" smtClean="0"/>
-              <a:t>Co library</a:t>
-            </a:r>
-            <a:endParaRPr lang="en-ZA" dirty="0"/>
-          </a:p>
-        </p:txBody>
-      </p:sp>
-      <p:sp>
-        <p:nvSpPr>
-          <p:cNvPr id="3" name="Content Placeholder 2"/>
-          <p:cNvSpPr>
-            <a:spLocks noGrp="1"/>
-          </p:cNvSpPr>
-          <p:nvPr>
-            <p:ph idx="1"/>
-          </p:nvPr>
-        </p:nvSpPr>
-        <p:spPr/>
-        <p:txBody>
-          <a:bodyPr/>
-          <a:lstStyle/>
-          <a:p>
-            <a:r>
-              <a:rPr lang="en-ZA" dirty="0">
-                <a:hlinkClick r:id="rId2"/>
-              </a:rPr>
-              <a:t>https://</a:t>
-            </a:r>
-            <a:r>
-              <a:rPr lang="en-ZA" dirty="0" smtClean="0">
-                <a:hlinkClick r:id="rId2"/>
-              </a:rPr>
-              <a:t>www.npmjs.com/package/co</a:t>
-            </a:r>
-            <a:endParaRPr lang="en-ZA" dirty="0" smtClean="0"/>
-          </a:p>
-          <a:p>
-            <a:r>
-              <a:rPr lang="en-ZA" dirty="0" smtClean="0"/>
-              <a:t>Two parts</a:t>
-            </a:r>
-          </a:p>
-          <a:p>
-            <a:pPr lvl="1"/>
-            <a:r>
-              <a:rPr lang="en-ZA" dirty="0" smtClean="0"/>
-              <a:t>The </a:t>
-            </a:r>
-            <a:r>
-              <a:rPr lang="en-ZA" dirty="0" err="1" smtClean="0"/>
-              <a:t>async</a:t>
-            </a:r>
-            <a:r>
-              <a:rPr lang="en-ZA" dirty="0" smtClean="0"/>
-              <a:t> function and its promise</a:t>
-            </a:r>
-          </a:p>
-          <a:p>
-            <a:pPr lvl="1"/>
-            <a:r>
-              <a:rPr lang="en-ZA" dirty="0" smtClean="0"/>
-              <a:t>The function call – it is wrapped up with the co library</a:t>
-            </a:r>
-          </a:p>
-          <a:p>
-            <a:pPr lvl="2"/>
-            <a:r>
-              <a:rPr lang="en-ZA" dirty="0" smtClean="0"/>
-              <a:t>Uses the yield keyword (directive)</a:t>
-            </a:r>
-          </a:p>
-          <a:p>
-            <a:endParaRPr lang="en-ZA" dirty="0"/>
-          </a:p>
-        </p:txBody>
-      </p:sp>
-    </p:spTree>
-    <p:extLst>
-      <p:ext uri="{BB962C8B-B14F-4D97-AF65-F5344CB8AC3E}">
-        <p14:creationId xmlns:p14="http://schemas.microsoft.com/office/powerpoint/2010/main" val="1245780868"/>
-      </p:ext>
-    </p:extLst>
-  </p:cSld>
-  <p:clrMapOvr>
-    <a:masterClrMapping/>
-  </p:clrMapOvr>
-</p:sld>
-</file>
-
-<file path=ppt/slides/slide35.xml><?xml version="1.0" encoding="utf-8"?>
-<p:sld xmlns:a="http://schemas.openxmlformats.org/drawingml/2006/main" xmlns:r="http://schemas.openxmlformats.org/officeDocument/2006/relationships" xmlns:p="http://schemas.openxmlformats.org/presentationml/2006/main">
-  <p:cSld>
-    <p:spTree>
-      <p:nvGrpSpPr>
-        <p:cNvPr id="1" name=""/>
-        <p:cNvGrpSpPr/>
-        <p:nvPr/>
-      </p:nvGrpSpPr>
-      <p:grpSpPr>
-        <a:xfrm>
-          <a:off x="0" y="0"/>
-          <a:ext cx="0" cy="0"/>
-          <a:chOff x="0" y="0"/>
-          <a:chExt cx="0" cy="0"/>
-        </a:xfrm>
-      </p:grpSpPr>
-      <p:sp>
-        <p:nvSpPr>
-          <p:cNvPr id="2" name="Title 1"/>
-          <p:cNvSpPr>
-            <a:spLocks noGrp="1"/>
-          </p:cNvSpPr>
-          <p:nvPr>
-            <p:ph type="title"/>
-          </p:nvPr>
-        </p:nvSpPr>
-        <p:spPr/>
-        <p:txBody>
-          <a:bodyPr/>
-          <a:lstStyle/>
-          <a:p>
-            <a:r>
-              <a:rPr lang="en-ZA" dirty="0" smtClean="0"/>
-              <a:t>The future</a:t>
-            </a:r>
-            <a:endParaRPr lang="en-ZA" dirty="0"/>
-          </a:p>
-        </p:txBody>
-      </p:sp>
-      <p:sp>
-        <p:nvSpPr>
-          <p:cNvPr id="3" name="Content Placeholder 2"/>
-          <p:cNvSpPr>
-            <a:spLocks noGrp="1"/>
-          </p:cNvSpPr>
-          <p:nvPr>
-            <p:ph idx="1"/>
-          </p:nvPr>
-        </p:nvSpPr>
-        <p:spPr/>
-        <p:txBody>
-          <a:bodyPr/>
-          <a:lstStyle/>
-          <a:p>
-            <a:r>
-              <a:rPr lang="en-ZA" dirty="0" smtClean="0"/>
-              <a:t>ES7</a:t>
-            </a:r>
-          </a:p>
-          <a:p>
-            <a:r>
-              <a:rPr lang="en-ZA" dirty="0" smtClean="0"/>
-              <a:t>Using the directives</a:t>
-            </a:r>
-          </a:p>
-          <a:p>
-            <a:pPr lvl="1"/>
-            <a:r>
-              <a:rPr lang="en-ZA" dirty="0" err="1" smtClean="0"/>
-              <a:t>async</a:t>
-            </a:r>
-            <a:endParaRPr lang="en-ZA" dirty="0" smtClean="0"/>
-          </a:p>
-          <a:p>
-            <a:pPr lvl="1"/>
-            <a:r>
-              <a:rPr lang="en-ZA" dirty="0"/>
-              <a:t>a</a:t>
-            </a:r>
-            <a:r>
-              <a:rPr lang="en-ZA" dirty="0" smtClean="0"/>
-              <a:t>wait</a:t>
-            </a:r>
-          </a:p>
-          <a:p>
-            <a:r>
-              <a:rPr lang="en-ZA" dirty="0">
-                <a:hlinkClick r:id="rId2"/>
-              </a:rPr>
-              <a:t>https://</a:t>
-            </a:r>
-            <a:r>
-              <a:rPr lang="en-ZA" dirty="0" smtClean="0">
-                <a:hlinkClick r:id="rId2"/>
-              </a:rPr>
-              <a:t>github.com/tc39/ecmascript-asyncawait</a:t>
-            </a:r>
-            <a:endParaRPr lang="en-ZA" dirty="0" smtClean="0"/>
-          </a:p>
-          <a:p>
-            <a:r>
-              <a:rPr lang="en-ZA" dirty="0" smtClean="0"/>
-              <a:t>Similar to how C# works with asynchronous functions</a:t>
-            </a:r>
-          </a:p>
-          <a:p>
-            <a:endParaRPr lang="en-ZA" dirty="0" smtClean="0"/>
-          </a:p>
-          <a:p>
-            <a:r>
-              <a:rPr lang="en-ZA" dirty="0" smtClean="0"/>
-              <a:t>Detailed Explanation:</a:t>
-            </a:r>
-          </a:p>
-          <a:p>
-            <a:pPr lvl="1"/>
-            <a:r>
-              <a:rPr lang="en-ZA" dirty="0">
-                <a:hlinkClick r:id="rId3"/>
-              </a:rPr>
-              <a:t>http://stackabuse.com/node-js-async-await-in-es7</a:t>
-            </a:r>
-            <a:r>
-              <a:rPr lang="en-ZA" dirty="0" smtClean="0">
-                <a:hlinkClick r:id="rId3"/>
-              </a:rPr>
-              <a:t>/</a:t>
-            </a:r>
-            <a:endParaRPr lang="en-ZA" dirty="0" smtClean="0"/>
-          </a:p>
-          <a:p>
-            <a:pPr lvl="1"/>
-            <a:endParaRPr lang="en-ZA" dirty="0"/>
-          </a:p>
-        </p:txBody>
-      </p:sp>
-    </p:spTree>
-    <p:extLst>
-      <p:ext uri="{BB962C8B-B14F-4D97-AF65-F5344CB8AC3E}">
-        <p14:creationId xmlns:p14="http://schemas.microsoft.com/office/powerpoint/2010/main" val="2235016716"/>
-      </p:ext>
-    </p:extLst>
-  </p:cSld>
-  <p:clrMapOvr>
-    <a:masterClrMapping/>
-  </p:clrMapOvr>
-</p:sld>
-</file>
-
-<file path=ppt/slides/slide36.xml><?xml version="1.0" encoding="utf-8"?>
-<p:sld xmlns:a="http://schemas.openxmlformats.org/drawingml/2006/main" xmlns:r="http://schemas.openxmlformats.org/officeDocument/2006/relationships" xmlns:p="http://schemas.openxmlformats.org/presentationml/2006/main">
-  <p:cSld>
-    <p:spTree>
-      <p:nvGrpSpPr>
-        <p:cNvPr id="1" name=""/>
-        <p:cNvGrpSpPr/>
-        <p:nvPr/>
-      </p:nvGrpSpPr>
-      <p:grpSpPr>
-        <a:xfrm>
-          <a:off x="0" y="0"/>
-          <a:ext cx="0" cy="0"/>
-          <a:chOff x="0" y="0"/>
-          <a:chExt cx="0" cy="0"/>
-        </a:xfrm>
-      </p:grpSpPr>
-      <p:sp>
-        <p:nvSpPr>
-          <p:cNvPr id="2" name="Title 1"/>
-          <p:cNvSpPr>
-            <a:spLocks noGrp="1"/>
-          </p:cNvSpPr>
-          <p:nvPr>
-            <p:ph type="title"/>
-          </p:nvPr>
-        </p:nvSpPr>
-        <p:spPr/>
-        <p:txBody>
-          <a:bodyPr/>
-          <a:lstStyle/>
-          <a:p>
-            <a:r>
               <a:rPr lang="en-US" dirty="0" smtClean="0"/>
               <a:t>The Course Project</a:t>
             </a:r>
@@ -11156,11 +10774,7 @@
           <a:p>
             <a:r>
               <a:rPr lang="en-US" dirty="0" smtClean="0"/>
-              <a:t>This week take </a:t>
-            </a:r>
-            <a:r>
-              <a:rPr lang="en-US" dirty="0" smtClean="0"/>
-              <a:t>last weeks work and implement a simple </a:t>
+              <a:t>This week take last weeks work and implement a simple </a:t>
             </a:r>
             <a:r>
               <a:rPr lang="en-US" dirty="0" err="1" smtClean="0"/>
@@ -11168,11 +10782,7 @@
             </a:r>
             <a:r>
               <a:rPr lang="en-US" dirty="0" smtClean="0"/>
-              <a:t> application which accepts user input for a folder and then stores the results in a database</a:t>
-            </a:r>
-            <a:r>
-              <a:rPr lang="en-US" dirty="0" smtClean="0"/>
-              <a:t>.</a:t>
+              <a:t> application which accepts user input for a folder and then stores the results in a database.</a:t>
             </a:r>
           </a:p>
           <a:p>
@@ -11180,7 +10790,6 @@
               <a:rPr lang="en-US" dirty="0" smtClean="0"/>
               <a:t>Then if the user clicks on the data page of the website display the information in the database</a:t>
             </a:r>
-            <a:endParaRPr lang="en-US" dirty="0" smtClean="0"/>
           </a:p>
           <a:p>
             <a:endParaRPr lang="en-ZA" dirty="0" smtClean="0"/>
@@ -11249,7 +10858,7 @@
 </p:sld>
 </file>
 
-<file path=ppt/slides/slide37.xml><?xml version="1.0" encoding="utf-8"?>
+<file path=ppt/slides/slide35.xml><?xml version="1.0" encoding="utf-8"?>
 <p:sld xmlns:a="http://schemas.openxmlformats.org/drawingml/2006/main" xmlns:r="http://schemas.openxmlformats.org/officeDocument/2006/relationships" xmlns:p="http://schemas.openxmlformats.org/presentationml/2006/main">
   <p:cSld>
     <p:spTree>
@@ -11589,11 +11198,7 @@
             </a:pPr>
             <a:r>
               <a:rPr lang="en-ZA" dirty="0" smtClean="0"/>
-              <a:t>Code must be self </a:t>
-            </a:r>
-            <a:r>
-              <a:rPr lang="en-ZA" dirty="0" smtClean="0"/>
-              <a:t>explanatory</a:t>
+              <a:t>Code must be self explanatory</a:t>
             </a:r>
           </a:p>
           <a:p>
@@ -11625,7 +11230,6 @@
               <a:rPr lang="en-ZA" dirty="0" smtClean="0"/>
               <a:t>Be directed at the appropriate target audience</a:t>
             </a:r>
-            <a:endParaRPr lang="en-ZA" dirty="0" smtClean="0"/>
           </a:p>
           <a:p>
             <a:endParaRPr lang="en-ZA" dirty="0"/>
@@ -11753,13 +11357,8 @@
             </a:pPr>
             <a:r>
               <a:rPr lang="en-ZA" dirty="0" smtClean="0"/>
-              <a:t>Hand </a:t>
-            </a:r>
-            <a:r>
-              <a:rPr lang="en-ZA" dirty="0" smtClean="0"/>
-              <a:t>off to other teams is easier</a:t>
-            </a:r>
-            <a:endParaRPr lang="en-ZA" dirty="0" smtClean="0"/>
+              <a:t>Hand off to other teams is easier</a:t>
+            </a:r>
           </a:p>
         </p:txBody>
       </p:sp>
@@ -11924,6 +11523,13 @@
   <p:clrMapOvr>
     <a:masterClrMapping/>
   </p:clrMapOvr>
+  <p:timing>
+    <p:tnLst>
+      <p:par>
+        <p:cTn id="1" dur="indefinite" restart="never" nodeType="tmRoot"/>
+      </p:par>
+    </p:tnLst>
+  </p:timing>
 </p:sld>
 </file>
 
@@ -12968,7 +12574,7 @@
   <a:extraClrSchemeLst/>
   <a:extLst>
     <a:ext uri="{05A4C25C-085E-4340-85A3-A5531E510DB2}">
-      <thm15:themeFamily xmlns:thm15="http://schemas.microsoft.com/office/thememl/2012/main" name="Ion" id="{B8441ADB-2E43-4AF7-B97A-BD870242C6A8}" vid="{A207AED3-9ABC-4A18-9978-A59B65688B15}"/>
+      <thm15:themeFamily xmlns:thm15="http://schemas.microsoft.com/office/thememl/2012/main" xmlns="" name="Ion" id="{B8441ADB-2E43-4AF7-B97A-BD870242C6A8}" vid="{A207AED3-9ABC-4A18-9978-A59B65688B15}"/>
     </a:ext>
   </a:extLst>
 </a:theme>

--- a/Session 4/Softdev Session 4 2016.pptx
+++ b/Session 4/Softdev Session 4 2016.pptx
@@ -140,7 +140,7 @@
   </p:defaultTextStyle>
   <p:extLst>
     <p:ext uri="{EFAFB233-063F-42B5-8137-9DF3F51BA10A}">
-      <p15:sldGuideLst xmlns:p15="http://schemas.microsoft.com/office/powerpoint/2012/main" xmlns="">
+      <p15:sldGuideLst xmlns="" xmlns:p15="http://schemas.microsoft.com/office/powerpoint/2012/main">
         <p15:guide id="1" orient="horz" pos="2160">
           <p15:clr>
             <a:srgbClr val="A4A3A4"/>
@@ -343,7 +343,7 @@
           <a:p>
             <a:fld id="{FBDF5932-50BA-4683-BD71-901965AADFF2}" type="datetimeFigureOut">
               <a:rPr lang="en-ZA" smtClean="0"/>
-              <a:t>2016-12-13</a:t>
+              <a:t>2016-12-15</a:t>
             </a:fld>
             <a:endParaRPr lang="en-ZA"/>
           </a:p>
@@ -618,7 +618,7 @@
           <a:p>
             <a:fld id="{FBDF5932-50BA-4683-BD71-901965AADFF2}" type="datetimeFigureOut">
               <a:rPr lang="en-ZA" smtClean="0"/>
-              <a:t>2016-12-13</a:t>
+              <a:t>2016-12-15</a:t>
             </a:fld>
             <a:endParaRPr lang="en-ZA"/>
           </a:p>
@@ -812,7 +812,7 @@
           <a:p>
             <a:fld id="{FBDF5932-50BA-4683-BD71-901965AADFF2}" type="datetimeFigureOut">
               <a:rPr lang="en-ZA" smtClean="0"/>
-              <a:t>2016-12-13</a:t>
+              <a:t>2016-12-15</a:t>
             </a:fld>
             <a:endParaRPr lang="en-ZA"/>
           </a:p>
@@ -1083,7 +1083,7 @@
           <a:p>
             <a:fld id="{FBDF5932-50BA-4683-BD71-901965AADFF2}" type="datetimeFigureOut">
               <a:rPr lang="en-ZA" smtClean="0"/>
-              <a:t>2016-12-13</a:t>
+              <a:t>2016-12-15</a:t>
             </a:fld>
             <a:endParaRPr lang="en-ZA"/>
           </a:p>
@@ -1410,7 +1410,7 @@
           <a:p>
             <a:fld id="{FBDF5932-50BA-4683-BD71-901965AADFF2}" type="datetimeFigureOut">
               <a:rPr lang="en-ZA" smtClean="0"/>
-              <a:t>2016-12-13</a:t>
+              <a:t>2016-12-15</a:t>
             </a:fld>
             <a:endParaRPr lang="en-ZA"/>
           </a:p>
@@ -2029,7 +2029,7 @@
           <a:p>
             <a:fld id="{FBDF5932-50BA-4683-BD71-901965AADFF2}" type="datetimeFigureOut">
               <a:rPr lang="en-ZA" smtClean="0"/>
-              <a:t>2016-12-13</a:t>
+              <a:t>2016-12-15</a:t>
             </a:fld>
             <a:endParaRPr lang="en-ZA"/>
           </a:p>
@@ -2876,7 +2876,7 @@
           <a:p>
             <a:fld id="{FBDF5932-50BA-4683-BD71-901965AADFF2}" type="datetimeFigureOut">
               <a:rPr lang="en-ZA" smtClean="0"/>
-              <a:t>2016-12-13</a:t>
+              <a:t>2016-12-15</a:t>
             </a:fld>
             <a:endParaRPr lang="en-ZA"/>
           </a:p>
@@ -3046,7 +3046,7 @@
           <a:p>
             <a:fld id="{FBDF5932-50BA-4683-BD71-901965AADFF2}" type="datetimeFigureOut">
               <a:rPr lang="en-ZA" smtClean="0"/>
-              <a:t>2016-12-13</a:t>
+              <a:t>2016-12-15</a:t>
             </a:fld>
             <a:endParaRPr lang="en-ZA"/>
           </a:p>
@@ -3226,7 +3226,7 @@
           <a:p>
             <a:fld id="{FBDF5932-50BA-4683-BD71-901965AADFF2}" type="datetimeFigureOut">
               <a:rPr lang="en-ZA" smtClean="0"/>
-              <a:t>2016-12-13</a:t>
+              <a:t>2016-12-15</a:t>
             </a:fld>
             <a:endParaRPr lang="en-ZA"/>
           </a:p>
@@ -3396,7 +3396,7 @@
           <a:p>
             <a:fld id="{FBDF5932-50BA-4683-BD71-901965AADFF2}" type="datetimeFigureOut">
               <a:rPr lang="en-ZA" smtClean="0"/>
-              <a:t>2016-12-13</a:t>
+              <a:t>2016-12-15</a:t>
             </a:fld>
             <a:endParaRPr lang="en-ZA"/>
           </a:p>
@@ -3643,7 +3643,7 @@
           <a:p>
             <a:fld id="{FBDF5932-50BA-4683-BD71-901965AADFF2}" type="datetimeFigureOut">
               <a:rPr lang="en-ZA" smtClean="0"/>
-              <a:t>2016-12-13</a:t>
+              <a:t>2016-12-15</a:t>
             </a:fld>
             <a:endParaRPr lang="en-ZA"/>
           </a:p>
@@ -3935,7 +3935,7 @@
           <a:p>
             <a:fld id="{FBDF5932-50BA-4683-BD71-901965AADFF2}" type="datetimeFigureOut">
               <a:rPr lang="en-ZA" smtClean="0"/>
-              <a:t>2016-12-13</a:t>
+              <a:t>2016-12-15</a:t>
             </a:fld>
             <a:endParaRPr lang="en-ZA"/>
           </a:p>
@@ -4379,7 +4379,7 @@
           <a:p>
             <a:fld id="{FBDF5932-50BA-4683-BD71-901965AADFF2}" type="datetimeFigureOut">
               <a:rPr lang="en-ZA" smtClean="0"/>
-              <a:t>2016-12-13</a:t>
+              <a:t>2016-12-15</a:t>
             </a:fld>
             <a:endParaRPr lang="en-ZA"/>
           </a:p>
@@ -4497,7 +4497,7 @@
           <a:p>
             <a:fld id="{FBDF5932-50BA-4683-BD71-901965AADFF2}" type="datetimeFigureOut">
               <a:rPr lang="en-ZA" smtClean="0"/>
-              <a:t>2016-12-13</a:t>
+              <a:t>2016-12-15</a:t>
             </a:fld>
             <a:endParaRPr lang="en-ZA"/>
           </a:p>
@@ -4592,7 +4592,7 @@
           <a:p>
             <a:fld id="{FBDF5932-50BA-4683-BD71-901965AADFF2}" type="datetimeFigureOut">
               <a:rPr lang="en-ZA" smtClean="0"/>
-              <a:t>2016-12-13</a:t>
+              <a:t>2016-12-15</a:t>
             </a:fld>
             <a:endParaRPr lang="en-ZA"/>
           </a:p>
@@ -4871,7 +4871,7 @@
           <a:p>
             <a:fld id="{FBDF5932-50BA-4683-BD71-901965AADFF2}" type="datetimeFigureOut">
               <a:rPr lang="en-ZA" smtClean="0"/>
-              <a:t>2016-12-13</a:t>
+              <a:t>2016-12-15</a:t>
             </a:fld>
             <a:endParaRPr lang="en-ZA"/>
           </a:p>
@@ -5146,7 +5146,7 @@
           <a:p>
             <a:fld id="{FBDF5932-50BA-4683-BD71-901965AADFF2}" type="datetimeFigureOut">
               <a:rPr lang="en-ZA" smtClean="0"/>
-              <a:t>2016-12-13</a:t>
+              <a:t>2016-12-15</a:t>
             </a:fld>
             <a:endParaRPr lang="en-ZA"/>
           </a:p>
@@ -5569,7 +5569,7 @@
           <a:p>
             <a:fld id="{FBDF5932-50BA-4683-BD71-901965AADFF2}" type="datetimeFigureOut">
               <a:rPr lang="en-ZA" smtClean="0"/>
-              <a:t>2016-12-13</a:t>
+              <a:t>2016-12-15</a:t>
             </a:fld>
             <a:endParaRPr lang="en-ZA"/>
           </a:p>
@@ -6114,15 +6114,7 @@
           <a:p>
             <a:r>
               <a:rPr lang="en-ZA" dirty="0" smtClean="0"/>
-              <a:t>Wits Software Development </a:t>
-            </a:r>
-            <a:r>
-              <a:rPr lang="en-ZA" dirty="0" smtClean="0"/>
-              <a:t>2016</a:t>
-            </a:r>
-            <a:r>
-              <a:rPr lang="en-ZA" dirty="0" smtClean="0"/>
-              <a:t/>
+              <a:t>Wits Software Development 2016</a:t>
             </a:r>
             <a:br>
               <a:rPr lang="en-ZA" dirty="0" smtClean="0"/>
@@ -8378,13 +8370,8 @@
             </a:pPr>
             <a:r>
               <a:rPr lang="en-ZA" dirty="0" smtClean="0"/>
-              <a:t>The type of those variables is determined from what values are sent into the </a:t>
-            </a:r>
-            <a:r>
-              <a:rPr lang="en-ZA" dirty="0" smtClean="0"/>
-              <a:t>variable</a:t>
-            </a:r>
-            <a:endParaRPr lang="en-ZA" dirty="0" smtClean="0"/>
+              <a:t>The type of those variables is determined from what values are sent into the variable</a:t>
+            </a:r>
           </a:p>
         </p:txBody>
       </p:sp>
@@ -10757,12 +10744,12 @@
         <p:spPr>
           <a:xfrm>
             <a:off x="1089457" y="1429464"/>
-            <a:ext cx="8946541" cy="4195481"/>
+            <a:ext cx="8946541" cy="5107814"/>
           </a:xfrm>
         </p:spPr>
         <p:txBody>
           <a:bodyPr>
-            <a:normAutofit fontScale="92500" lnSpcReduction="10000"/>
+            <a:normAutofit fontScale="92500" lnSpcReduction="20000"/>
           </a:bodyPr>
           <a:lstStyle/>
           <a:p>
@@ -10830,6 +10817,53 @@
               </a:rPr>
               <a:t>stackoverflow.com/questions/2727167/getting-all-filenames-in-a-directory-with-node-js</a:t>
             </a:r>
+            <a:endParaRPr lang="en-US" dirty="0"/>
+          </a:p>
+          <a:p>
+            <a:r>
+              <a:rPr lang="en-US" smtClean="0"/>
+              <a:t>Express JS Links</a:t>
+            </a:r>
+            <a:endParaRPr lang="en-US" dirty="0" smtClean="0"/>
+          </a:p>
+          <a:p>
+            <a:pPr lvl="1"/>
+            <a:r>
+              <a:rPr lang="en-ZA" dirty="0">
+                <a:hlinkClick r:id="rId4"/>
+              </a:rPr>
+              <a:t>https://</a:t>
+            </a:r>
+            <a:r>
+              <a:rPr lang="en-ZA" dirty="0" smtClean="0">
+                <a:hlinkClick r:id="rId4"/>
+              </a:rPr>
+              <a:t>scotch.io/tutorials/use-ejs-to-template-your-node-application</a:t>
+            </a:r>
+            <a:endParaRPr lang="en-US" dirty="0"/>
+          </a:p>
+          <a:p>
+            <a:pPr lvl="1"/>
+            <a:r>
+              <a:rPr lang="en-US" dirty="0">
+                <a:hlinkClick r:id="rId5"/>
+              </a:rPr>
+              <a:t>https://zellwk.com/blog/crud-express-mongodb</a:t>
+            </a:r>
+            <a:r>
+              <a:rPr lang="en-US" dirty="0" smtClean="0">
+                <a:hlinkClick r:id="rId5"/>
+              </a:rPr>
+              <a:t>/</a:t>
+            </a:r>
+            <a:endParaRPr lang="en-US" dirty="0" smtClean="0"/>
+          </a:p>
+          <a:p>
+            <a:pPr lvl="1"/>
+            <a:endParaRPr lang="en-US" dirty="0" smtClean="0"/>
+          </a:p>
+          <a:p>
+            <a:pPr lvl="1"/>
             <a:endParaRPr lang="en-US" dirty="0" smtClean="0"/>
           </a:p>
           <a:p>
@@ -12574,7 +12608,7 @@
   <a:extraClrSchemeLst/>
   <a:extLst>
     <a:ext uri="{05A4C25C-085E-4340-85A3-A5531E510DB2}">
-      <thm15:themeFamily xmlns:thm15="http://schemas.microsoft.com/office/thememl/2012/main" xmlns="" name="Ion" id="{B8441ADB-2E43-4AF7-B97A-BD870242C6A8}" vid="{A207AED3-9ABC-4A18-9978-A59B65688B15}"/>
+      <thm15:themeFamily xmlns="" xmlns:thm15="http://schemas.microsoft.com/office/thememl/2012/main" name="Ion" id="{B8441ADB-2E43-4AF7-B97A-BD870242C6A8}" vid="{A207AED3-9ABC-4A18-9978-A59B65688B15}"/>
     </a:ext>
   </a:extLst>
 </a:theme>
